--- a/_SLIDES/2020/H2- De basiconcepten van cs/H2_2_Datatypes.pptx
+++ b/_SLIDES/2020/H2- De basiconcepten van cs/H2_2_Datatypes.pptx
@@ -5,10 +5,10 @@
     <p:sldMasterId id="2147483684" r:id="rId1"/>
   </p:sldMasterIdLst>
   <p:notesMasterIdLst>
-    <p:notesMasterId r:id="rId18"/>
+    <p:notesMasterId r:id="rId19"/>
   </p:notesMasterIdLst>
   <p:handoutMasterIdLst>
-    <p:handoutMasterId r:id="rId19"/>
+    <p:handoutMasterId r:id="rId20"/>
   </p:handoutMasterIdLst>
   <p:sldIdLst>
     <p:sldId id="289" r:id="rId2"/>
@@ -27,34 +27,35 @@
     <p:sldId id="277" r:id="rId15"/>
     <p:sldId id="281" r:id="rId16"/>
     <p:sldId id="282" r:id="rId17"/>
+    <p:sldId id="259" r:id="rId18"/>
   </p:sldIdLst>
   <p:sldSz cx="12192000" cy="6858000"/>
   <p:notesSz cx="7099300" cy="10234613"/>
   <p:embeddedFontLst>
     <p:embeddedFont>
       <p:font typeface="Archivo Narrow" panose="020B0506020202020B04" pitchFamily="34" charset="0"/>
-      <p:regular r:id="rId20"/>
-      <p:bold r:id="rId21"/>
+      <p:regular r:id="rId21"/>
+      <p:bold r:id="rId22"/>
     </p:embeddedFont>
     <p:embeddedFont>
       <p:font typeface="Blogger Sans" panose="02000506030000020004" pitchFamily="50" charset="0"/>
-      <p:regular r:id="rId22"/>
-      <p:bold r:id="rId23"/>
-      <p:italic r:id="rId24"/>
+      <p:regular r:id="rId23"/>
+      <p:bold r:id="rId24"/>
+      <p:italic r:id="rId25"/>
     </p:embeddedFont>
     <p:embeddedFont>
       <p:font typeface="Calibri" panose="020F0502020204030204" pitchFamily="34" charset="0"/>
-      <p:regular r:id="rId25"/>
-      <p:bold r:id="rId26"/>
-      <p:italic r:id="rId27"/>
-      <p:boldItalic r:id="rId28"/>
+      <p:regular r:id="rId26"/>
+      <p:bold r:id="rId27"/>
+      <p:italic r:id="rId28"/>
+      <p:boldItalic r:id="rId29"/>
     </p:embeddedFont>
     <p:embeddedFont>
       <p:font typeface="Times" panose="02020603050405020304" pitchFamily="18" charset="0"/>
-      <p:regular r:id="rId29"/>
-      <p:bold r:id="rId30"/>
-      <p:italic r:id="rId31"/>
-      <p:boldItalic r:id="rId32"/>
+      <p:regular r:id="rId30"/>
+      <p:bold r:id="rId31"/>
+      <p:italic r:id="rId32"/>
+      <p:boldItalic r:id="rId33"/>
     </p:embeddedFont>
   </p:embeddedFontLst>
   <p:defaultTextStyle>
@@ -3606,7 +3607,7 @@
           <a:p>
             <a:fld id="{85EE1F57-E73E-475C-872F-886F27274373}" type="datetimeFigureOut">
               <a:rPr lang="nl-BE" smtClean="0"/>
-              <a:t>7/09/2020</a:t>
+              <a:t>10/09/2020</a:t>
             </a:fld>
             <a:endParaRPr lang="nl-BE"/>
           </a:p>
@@ -3771,7 +3772,7 @@
           <a:p>
             <a:fld id="{E0BBF532-A5DD-4E27-82A5-D972027CDA5D}" type="datetimeFigureOut">
               <a:rPr lang="nl-BE" smtClean="0"/>
-              <a:t>7/09/2020</a:t>
+              <a:t>10/09/2020</a:t>
             </a:fld>
             <a:endParaRPr lang="nl-BE"/>
           </a:p>
@@ -4294,7 +4295,7 @@
           <a:p>
             <a:fld id="{36003702-A101-4BD4-8AD7-96FBD908EC64}" type="datetime1">
               <a:rPr lang="nl-BE" smtClean="0"/>
-              <a:t>7/09/2020</a:t>
+              <a:t>10/09/2020</a:t>
             </a:fld>
             <a:endParaRPr lang="nl-BE" dirty="0"/>
           </a:p>
@@ -4591,7 +4592,7 @@
           <a:p>
             <a:fld id="{FB98F814-2EAF-4B96-B142-924E89393194}" type="datetime1">
               <a:rPr lang="nl-BE" smtClean="0"/>
-              <a:t>7/09/2020</a:t>
+              <a:t>10/09/2020</a:t>
             </a:fld>
             <a:endParaRPr lang="nl-BE"/>
           </a:p>
@@ -4804,7 +4805,7 @@
           <a:p>
             <a:fld id="{E2559EBD-FFD9-445F-B912-4E503465C563}" type="datetime1">
               <a:rPr lang="nl-BE" smtClean="0"/>
-              <a:t>7/09/2020</a:t>
+              <a:t>10/09/2020</a:t>
             </a:fld>
             <a:endParaRPr lang="nl-BE"/>
           </a:p>
@@ -5037,7 +5038,7 @@
           <a:p>
             <a:fld id="{1717ECAD-8DA2-43C1-842C-D0D11BFA3E62}" type="datetime1">
               <a:rPr lang="nl-BE" smtClean="0"/>
-              <a:t>7/09/2020</a:t>
+              <a:t>10/09/2020</a:t>
             </a:fld>
             <a:endParaRPr lang="nl-BE"/>
           </a:p>
@@ -5317,7 +5318,7 @@
           <a:p>
             <a:fld id="{F8E292AA-4D98-48DA-84F8-7773EDEEC1C5}" type="datetime1">
               <a:rPr lang="nl-BE" smtClean="0"/>
-              <a:t>7/09/2020</a:t>
+              <a:t>10/09/2020</a:t>
             </a:fld>
             <a:endParaRPr lang="nl-BE"/>
           </a:p>
@@ -5588,7 +5589,7 @@
           <a:p>
             <a:fld id="{7C049EFB-2A16-4E33-ADA4-B7C7BAA10166}" type="datetime1">
               <a:rPr lang="nl-BE" smtClean="0"/>
-              <a:t>7/09/2020</a:t>
+              <a:t>10/09/2020</a:t>
             </a:fld>
             <a:endParaRPr lang="nl-BE"/>
           </a:p>
@@ -6006,7 +6007,7 @@
           <a:p>
             <a:fld id="{88DF7464-58A2-4AC3-8D4F-E9B9A6A49E96}" type="datetime1">
               <a:rPr lang="nl-BE" smtClean="0"/>
-              <a:t>7/09/2020</a:t>
+              <a:t>10/09/2020</a:t>
             </a:fld>
             <a:endParaRPr lang="nl-BE"/>
           </a:p>
@@ -6151,7 +6152,7 @@
           <a:p>
             <a:fld id="{A4A8A232-6BEF-468D-B04A-87BCBA00D5E7}" type="datetime1">
               <a:rPr lang="nl-BE" smtClean="0"/>
-              <a:t>7/09/2020</a:t>
+              <a:t>10/09/2020</a:t>
             </a:fld>
             <a:endParaRPr lang="nl-BE"/>
           </a:p>
@@ -6390,7 +6391,7 @@
           <a:p>
             <a:fld id="{D191E5E8-EEEF-4E29-B9EB-77DAD026F701}" type="datetime1">
               <a:rPr lang="nl-BE" smtClean="0"/>
-              <a:t>7/09/2020</a:t>
+              <a:t>10/09/2020</a:t>
             </a:fld>
             <a:endParaRPr lang="nl-BE"/>
           </a:p>
@@ -6706,7 +6707,7 @@
           <a:p>
             <a:fld id="{4B6BBD82-3B46-4282-B60F-51C2629A47DD}" type="datetime1">
               <a:rPr lang="nl-BE" smtClean="0"/>
-              <a:t>7/09/2020</a:t>
+              <a:t>10/09/2020</a:t>
             </a:fld>
             <a:endParaRPr lang="nl-BE"/>
           </a:p>
@@ -7002,7 +7003,7 @@
           <a:p>
             <a:fld id="{0DEDB961-B8A7-465C-8CC9-583443A068E0}" type="datetime1">
               <a:rPr lang="nl-BE" smtClean="0"/>
-              <a:t>7/09/2020</a:t>
+              <a:t>10/09/2020</a:t>
             </a:fld>
             <a:endParaRPr lang="nl-BE"/>
           </a:p>
@@ -7248,7 +7249,7 @@
           <a:p>
             <a:fld id="{1BD9E0E5-F898-4E08-991D-8BBA1600FDF0}" type="datetime1">
               <a:rPr lang="nl-BE" smtClean="0"/>
-              <a:t>7/09/2020</a:t>
+              <a:t>10/09/2020</a:t>
             </a:fld>
             <a:endParaRPr lang="nl-BE"/>
           </a:p>
@@ -10651,11 +10652,15 @@
           <a:p>
             <a:pPr lvl="1"/>
             <a:r>
-              <a:rPr lang="nl-BE" sz="1800"/>
-              <a:t>Float: 	</a:t>
-            </a:r>
-            <a:r>
-              <a:rPr lang="nl-BE" sz="1800">
+              <a:rPr lang="nl-BE" sz="1800" dirty="0" err="1"/>
+              <a:t>Float</a:t>
+            </a:r>
+            <a:r>
+              <a:rPr lang="nl-BE" sz="1800" dirty="0"/>
+              <a:t>: 	</a:t>
+            </a:r>
+            <a:r>
+              <a:rPr lang="nl-BE" sz="1800" dirty="0">
                 <a:latin typeface="Courier New" pitchFamily="49" charset="0"/>
                 <a:cs typeface="Courier New" pitchFamily="49" charset="0"/>
               </a:rPr>
@@ -10665,11 +10670,11 @@
           <a:p>
             <a:pPr lvl="1"/>
             <a:r>
-              <a:rPr lang="nl-BE" sz="1800"/>
+              <a:rPr lang="nl-BE" sz="1800" dirty="0"/>
               <a:t>Double: 	</a:t>
             </a:r>
             <a:r>
-              <a:rPr lang="nl-BE" sz="1800">
+              <a:rPr lang="nl-BE" sz="1800" dirty="0">
                 <a:latin typeface="Courier New" pitchFamily="49" charset="0"/>
                 <a:cs typeface="Courier New" pitchFamily="49" charset="0"/>
               </a:rPr>
@@ -10679,28 +10684,32 @@
           <a:p>
             <a:pPr lvl="1"/>
             <a:r>
-              <a:rPr lang="nl-BE" sz="1800"/>
-              <a:t>Decimal: 	</a:t>
-            </a:r>
-            <a:r>
-              <a:rPr lang="nl-BE" sz="1800">
+              <a:rPr lang="nl-BE" sz="1800" dirty="0" err="1"/>
+              <a:t>Decimal</a:t>
+            </a:r>
+            <a:r>
+              <a:rPr lang="nl-BE" sz="1800" dirty="0"/>
+              <a:t>: 	</a:t>
+            </a:r>
+            <a:r>
+              <a:rPr lang="nl-BE" sz="1800" dirty="0">
                 <a:latin typeface="Courier New" pitchFamily="49" charset="0"/>
                 <a:cs typeface="Courier New" pitchFamily="49" charset="0"/>
               </a:rPr>
               <a:t>2.5m</a:t>
             </a:r>
-            <a:endParaRPr lang="nl-BE" sz="1800"/>
+            <a:endParaRPr lang="nl-BE" sz="1800" dirty="0"/>
           </a:p>
           <a:p>
             <a:pPr lvl="1"/>
-            <a:endParaRPr lang="nl-BE" sz="1800">
+            <a:endParaRPr lang="nl-BE" sz="1800" dirty="0">
               <a:latin typeface="Courier New" pitchFamily="49" charset="0"/>
               <a:cs typeface="Courier New" pitchFamily="49" charset="0"/>
             </a:endParaRPr>
           </a:p>
           <a:p>
             <a:pPr lvl="1"/>
-            <a:endParaRPr lang="nl-BE"/>
+            <a:endParaRPr lang="nl-BE" dirty="0"/>
           </a:p>
         </p:txBody>
       </p:sp>
@@ -11123,94 +11132,123 @@
           <a:lstStyle/>
           <a:p>
             <a:r>
+              <a:rPr lang="nl-BE" sz="2400" dirty="0">
+                <a:solidFill>
+                  <a:srgbClr val="000000"/>
+                </a:solidFill>
+              </a:rPr>
+              <a:t>Tekst kan bewaard worden in het </a:t>
+            </a:r>
+            <a:r>
+              <a:rPr lang="nl-BE" sz="2400" b="1" dirty="0">
+                <a:solidFill>
+                  <a:srgbClr val="000000"/>
+                </a:solidFill>
+              </a:rPr>
+              <a:t>string</a:t>
+            </a:r>
+            <a:r>
+              <a:rPr lang="nl-BE" sz="2400" dirty="0">
+                <a:solidFill>
+                  <a:srgbClr val="000000"/>
+                </a:solidFill>
+              </a:rPr>
+              <a:t> datatype</a:t>
+            </a:r>
+          </a:p>
+          <a:p>
+            <a:pPr lvl="1"/>
+            <a:r>
+              <a:rPr lang="nl-BE" dirty="0">
+                <a:solidFill>
+                  <a:srgbClr val="000000"/>
+                </a:solidFill>
+              </a:rPr>
+              <a:t>Bv string tekst= “Mijn zin”;</a:t>
+            </a:r>
+          </a:p>
+          <a:p>
+            <a:r>
+              <a:rPr lang="nl-BE" sz="2400" dirty="0">
+                <a:solidFill>
+                  <a:srgbClr val="000000"/>
+                </a:solidFill>
+              </a:rPr>
+              <a:t>Een enkel karakter wordt bewaard in het </a:t>
+            </a:r>
+            <a:r>
+              <a:rPr lang="nl-BE" sz="2400" b="1" dirty="0" err="1">
+                <a:solidFill>
+                  <a:srgbClr val="000000"/>
+                </a:solidFill>
+              </a:rPr>
+              <a:t>char</a:t>
+            </a:r>
+            <a:r>
+              <a:rPr lang="nl-BE" sz="2400" dirty="0">
+                <a:solidFill>
+                  <a:srgbClr val="000000"/>
+                </a:solidFill>
+              </a:rPr>
+              <a:t> datatype</a:t>
+            </a:r>
+          </a:p>
+          <a:p>
+            <a:pPr lvl="1"/>
+            <a:r>
+              <a:rPr lang="nl-BE" dirty="0">
+                <a:solidFill>
+                  <a:srgbClr val="000000"/>
+                </a:solidFill>
+              </a:rPr>
+              <a:t>Bv </a:t>
+            </a:r>
+            <a:r>
+              <a:rPr lang="nl-BE" dirty="0" err="1">
+                <a:solidFill>
+                  <a:srgbClr val="000000"/>
+                </a:solidFill>
+              </a:rPr>
+              <a:t>char</a:t>
+            </a:r>
+            <a:r>
+              <a:rPr lang="nl-BE" dirty="0">
+                <a:solidFill>
+                  <a:srgbClr val="000000"/>
+                </a:solidFill>
+              </a:rPr>
+              <a:t> letter= ‘A’;</a:t>
+            </a:r>
+          </a:p>
+          <a:p>
+            <a:endParaRPr lang="nl-BE" sz="2400" dirty="0">
+              <a:solidFill>
+                <a:srgbClr val="000000"/>
+              </a:solidFill>
+            </a:endParaRPr>
+          </a:p>
+          <a:p>
+            <a:r>
+              <a:rPr lang="nl-BE" sz="2400" dirty="0">
+                <a:solidFill>
+                  <a:srgbClr val="000000"/>
+                </a:solidFill>
+              </a:rPr>
+              <a:t>Bespreken we in </a:t>
+            </a:r>
+            <a:r>
               <a:rPr lang="nl-BE" sz="2400">
                 <a:solidFill>
                   <a:srgbClr val="000000"/>
                 </a:solidFill>
               </a:rPr>
-              <a:t>Tekst kan bewaard worden in het </a:t>
-            </a:r>
-            <a:r>
-              <a:rPr lang="nl-BE" sz="2400" b="1">
-                <a:solidFill>
-                  <a:srgbClr val="000000"/>
-                </a:solidFill>
-              </a:rPr>
-              <a:t>string</a:t>
-            </a:r>
-            <a:r>
-              <a:rPr lang="nl-BE" sz="2400">
-                <a:solidFill>
-                  <a:srgbClr val="000000"/>
-                </a:solidFill>
-              </a:rPr>
-              <a:t> datatype</a:t>
-            </a:r>
-          </a:p>
-          <a:p>
-            <a:pPr lvl="1"/>
-            <a:r>
-              <a:rPr lang="nl-BE">
-                <a:solidFill>
-                  <a:srgbClr val="000000"/>
-                </a:solidFill>
-              </a:rPr>
-              <a:t>Bv string tekst= “Mijn zin”;</a:t>
-            </a:r>
-          </a:p>
-          <a:p>
-            <a:r>
-              <a:rPr lang="nl-BE" sz="2400">
-                <a:solidFill>
-                  <a:srgbClr val="000000"/>
-                </a:solidFill>
-              </a:rPr>
-              <a:t>Een enkel karakter wordt bewaard in het </a:t>
-            </a:r>
-            <a:r>
-              <a:rPr lang="nl-BE" sz="2400" b="1">
-                <a:solidFill>
-                  <a:srgbClr val="000000"/>
-                </a:solidFill>
-              </a:rPr>
-              <a:t>char</a:t>
-            </a:r>
-            <a:r>
-              <a:rPr lang="nl-BE" sz="2400">
-                <a:solidFill>
-                  <a:srgbClr val="000000"/>
-                </a:solidFill>
-              </a:rPr>
-              <a:t> datatype</a:t>
-            </a:r>
-          </a:p>
-          <a:p>
-            <a:pPr lvl="1"/>
-            <a:r>
-              <a:rPr lang="nl-BE">
-                <a:solidFill>
-                  <a:srgbClr val="000000"/>
-                </a:solidFill>
-              </a:rPr>
-              <a:t>Bv char letter= ‘A’;</a:t>
-            </a:r>
-          </a:p>
-          <a:p>
-            <a:endParaRPr lang="nl-BE" sz="2400">
+              <a:t>volgende hoofdstuk</a:t>
+            </a:r>
+            <a:endParaRPr lang="nl-BE" sz="2400" dirty="0">
               <a:solidFill>
                 <a:srgbClr val="000000"/>
               </a:solidFill>
             </a:endParaRPr>
-          </a:p>
-          <a:p>
-            <a:r>
-              <a:rPr lang="nl-BE" sz="2400">
-                <a:solidFill>
-                  <a:srgbClr val="000000"/>
-                </a:solidFill>
-              </a:rPr>
-              <a:t>Bespreken we later</a:t>
-            </a:r>
           </a:p>
         </p:txBody>
       </p:sp>
@@ -11307,6 +11345,350 @@
   <p:clrMapOvr>
     <a:masterClrMapping/>
   </p:clrMapOvr>
+</p:sld>
+</file>
+
+<file path=ppt/slides/slide17.xml><?xml version="1.0" encoding="utf-8"?>
+<p:sld xmlns:a="http://schemas.openxmlformats.org/drawingml/2006/main" xmlns:r="http://schemas.openxmlformats.org/officeDocument/2006/relationships" xmlns:p="http://schemas.openxmlformats.org/presentationml/2006/main">
+  <p:cSld>
+    <p:spTree>
+      <p:nvGrpSpPr>
+        <p:cNvPr id="1" name=""/>
+        <p:cNvGrpSpPr/>
+        <p:nvPr/>
+      </p:nvGrpSpPr>
+      <p:grpSpPr>
+        <a:xfrm>
+          <a:off x="0" y="0"/>
+          <a:ext cx="0" cy="0"/>
+          <a:chOff x="0" y="0"/>
+          <a:chExt cx="0" cy="0"/>
+        </a:xfrm>
+      </p:grpSpPr>
+      <p:sp>
+        <p:nvSpPr>
+          <p:cNvPr id="2" name="Titel 1">
+            <a:extLst>
+              <a:ext uri="{FF2B5EF4-FFF2-40B4-BE49-F238E27FC236}">
+                <a16:creationId xmlns:a16="http://schemas.microsoft.com/office/drawing/2014/main" id="{DEA37EB1-D991-4BD1-B2A4-3FAA24191CB2}"/>
+              </a:ext>
+            </a:extLst>
+          </p:cNvPr>
+          <p:cNvSpPr>
+            <a:spLocks noGrp="1"/>
+          </p:cNvSpPr>
+          <p:nvPr>
+            <p:ph type="title"/>
+          </p:nvPr>
+        </p:nvSpPr>
+        <p:spPr/>
+        <p:txBody>
+          <a:bodyPr/>
+          <a:lstStyle/>
+          <a:p>
+            <a:r>
+              <a:rPr lang="nl-BE" dirty="0"/>
+              <a:t>Demo time</a:t>
+            </a:r>
+          </a:p>
+        </p:txBody>
+      </p:sp>
+      <p:sp>
+        <p:nvSpPr>
+          <p:cNvPr id="3" name="Tijdelijke aanduiding voor inhoud 2">
+            <a:extLst>
+              <a:ext uri="{FF2B5EF4-FFF2-40B4-BE49-F238E27FC236}">
+                <a16:creationId xmlns:a16="http://schemas.microsoft.com/office/drawing/2014/main" id="{0C497EC5-0E53-451E-9A6A-6A7435CDBDF4}"/>
+              </a:ext>
+            </a:extLst>
+          </p:cNvPr>
+          <p:cNvSpPr>
+            <a:spLocks noGrp="1"/>
+          </p:cNvSpPr>
+          <p:nvPr>
+            <p:ph idx="1"/>
+          </p:nvPr>
+        </p:nvSpPr>
+        <p:spPr/>
+        <p:txBody>
+          <a:bodyPr/>
+          <a:lstStyle/>
+          <a:p>
+            <a:r>
+              <a:rPr lang="nl-BE" dirty="0"/>
+              <a:t>Int, double</a:t>
+            </a:r>
+          </a:p>
+          <a:p>
+            <a:r>
+              <a:rPr lang="nl-BE" dirty="0" err="1"/>
+              <a:t>Bool</a:t>
+            </a:r>
+            <a:endParaRPr lang="nl-BE" dirty="0"/>
+          </a:p>
+          <a:p>
+            <a:r>
+              <a:rPr lang="nl-BE" dirty="0"/>
+              <a:t>String, </a:t>
+            </a:r>
+            <a:r>
+              <a:rPr lang="nl-BE" dirty="0" err="1"/>
+              <a:t>char</a:t>
+            </a:r>
+            <a:endParaRPr lang="nl-BE" dirty="0"/>
+          </a:p>
+          <a:p>
+            <a:endParaRPr lang="nl-BE" dirty="0"/>
+          </a:p>
+          <a:p>
+            <a:endParaRPr lang="nl-BE" dirty="0"/>
+          </a:p>
+        </p:txBody>
+      </p:sp>
+      <p:sp>
+        <p:nvSpPr>
+          <p:cNvPr id="4" name="Tijdelijke aanduiding voor voettekst 3">
+            <a:extLst>
+              <a:ext uri="{FF2B5EF4-FFF2-40B4-BE49-F238E27FC236}">
+                <a16:creationId xmlns:a16="http://schemas.microsoft.com/office/drawing/2014/main" id="{D096920B-D69A-472B-950F-3005BC5B29F5}"/>
+              </a:ext>
+            </a:extLst>
+          </p:cNvPr>
+          <p:cNvSpPr>
+            <a:spLocks noGrp="1"/>
+          </p:cNvSpPr>
+          <p:nvPr>
+            <p:ph type="ftr" sz="quarter" idx="11"/>
+          </p:nvPr>
+        </p:nvSpPr>
+        <p:spPr/>
+        <p:txBody>
+          <a:bodyPr/>
+          <a:lstStyle/>
+          <a:p>
+            <a:r>
+              <a:rPr lang="nl-BE"/>
+              <a:t>Zie scherp</a:t>
+            </a:r>
+            <a:endParaRPr lang="nl-BE" dirty="0"/>
+          </a:p>
+        </p:txBody>
+      </p:sp>
+      <p:pic>
+        <p:nvPicPr>
+          <p:cNvPr id="2050" name="Picture 2">
+            <a:extLst>
+              <a:ext uri="{FF2B5EF4-FFF2-40B4-BE49-F238E27FC236}">
+                <a16:creationId xmlns:a16="http://schemas.microsoft.com/office/drawing/2014/main" id="{10ACCB77-444E-4CE2-8971-A6B218E6DB4A}"/>
+              </a:ext>
+            </a:extLst>
+          </p:cNvPr>
+          <p:cNvPicPr>
+            <a:picLocks noChangeAspect="1" noChangeArrowheads="1"/>
+          </p:cNvPicPr>
+          <p:nvPr/>
+        </p:nvPicPr>
+        <p:blipFill>
+          <a:blip r:embed="rId2">
+            <a:extLst>
+              <a:ext uri="{28A0092B-C50C-407E-A947-70E740481C1C}">
+                <a14:useLocalDpi xmlns:a14="http://schemas.microsoft.com/office/drawing/2010/main" val="0"/>
+              </a:ext>
+            </a:extLst>
+          </a:blip>
+          <a:srcRect/>
+          <a:stretch>
+            <a:fillRect/>
+          </a:stretch>
+        </p:blipFill>
+        <p:spPr bwMode="auto">
+          <a:xfrm>
+            <a:off x="6494388" y="-353661"/>
+            <a:ext cx="5088012" cy="7565321"/>
+          </a:xfrm>
+          <a:prstGeom prst="rect">
+            <a:avLst/>
+          </a:prstGeom>
+          <a:noFill/>
+          <a:extLst>
+            <a:ext uri="{909E8E84-426E-40DD-AFC4-6F175D3DCCD1}">
+              <a14:hiddenFill xmlns:a14="http://schemas.microsoft.com/office/drawing/2010/main">
+                <a:solidFill>
+                  <a:srgbClr val="FFFFFF"/>
+                </a:solidFill>
+              </a14:hiddenFill>
+            </a:ext>
+          </a:extLst>
+        </p:spPr>
+      </p:pic>
+      <p:sp>
+        <p:nvSpPr>
+          <p:cNvPr id="6" name="Tijdelijke aanduiding voor dianummer 5">
+            <a:extLst>
+              <a:ext uri="{FF2B5EF4-FFF2-40B4-BE49-F238E27FC236}">
+                <a16:creationId xmlns:a16="http://schemas.microsoft.com/office/drawing/2014/main" id="{4C2D247D-CB46-42C2-BD5D-0E3892A4FBC5}"/>
+              </a:ext>
+            </a:extLst>
+          </p:cNvPr>
+          <p:cNvSpPr>
+            <a:spLocks noGrp="1"/>
+          </p:cNvSpPr>
+          <p:nvPr>
+            <p:ph type="sldNum" sz="quarter" idx="12"/>
+          </p:nvPr>
+        </p:nvSpPr>
+        <p:spPr/>
+        <p:txBody>
+          <a:bodyPr/>
+          <a:lstStyle/>
+          <a:p>
+            <a:fld id="{E8A62353-F7CD-46ED-8877-B27D0E33FCF8}" type="slidenum">
+              <a:rPr lang="nl-BE" smtClean="0"/>
+              <a:t>17</a:t>
+            </a:fld>
+            <a:endParaRPr lang="nl-BE"/>
+          </a:p>
+        </p:txBody>
+      </p:sp>
+    </p:spTree>
+    <p:extLst>
+      <p:ext uri="{BB962C8B-B14F-4D97-AF65-F5344CB8AC3E}">
+        <p14:creationId xmlns:p14="http://schemas.microsoft.com/office/powerpoint/2010/main" val="4096004467"/>
+      </p:ext>
+    </p:extLst>
+  </p:cSld>
+  <p:clrMapOvr>
+    <a:masterClrMapping/>
+  </p:clrMapOvr>
+  <p:timing>
+    <p:tnLst>
+      <p:par>
+        <p:cTn id="1" dur="indefinite" restart="never" nodeType="tmRoot">
+          <p:childTnLst>
+            <p:seq concurrent="1" nextAc="seek">
+              <p:cTn id="2" dur="indefinite" nodeType="mainSeq">
+                <p:childTnLst>
+                  <p:par>
+                    <p:cTn id="3" fill="hold">
+                      <p:stCondLst>
+                        <p:cond delay="indefinite"/>
+                      </p:stCondLst>
+                      <p:childTnLst>
+                        <p:par>
+                          <p:cTn id="4" fill="hold">
+                            <p:stCondLst>
+                              <p:cond delay="0"/>
+                            </p:stCondLst>
+                            <p:childTnLst>
+                              <p:par>
+                                <p:cTn id="5" presetID="45" presetClass="entr" presetSubtype="0" fill="hold" nodeType="clickEffect">
+                                  <p:stCondLst>
+                                    <p:cond delay="0"/>
+                                  </p:stCondLst>
+                                  <p:childTnLst>
+                                    <p:set>
+                                      <p:cBhvr>
+                                        <p:cTn id="6" dur="1" fill="hold">
+                                          <p:stCondLst>
+                                            <p:cond delay="0"/>
+                                          </p:stCondLst>
+                                        </p:cTn>
+                                        <p:tgtEl>
+                                          <p:spTgt spid="2050"/>
+                                        </p:tgtEl>
+                                        <p:attrNameLst>
+                                          <p:attrName>style.visibility</p:attrName>
+                                        </p:attrNameLst>
+                                      </p:cBhvr>
+                                      <p:to>
+                                        <p:strVal val="visible"/>
+                                      </p:to>
+                                    </p:set>
+                                    <p:animEffect transition="in" filter="fade">
+                                      <p:cBhvr>
+                                        <p:cTn id="7" dur="2000"/>
+                                        <p:tgtEl>
+                                          <p:spTgt spid="2050"/>
+                                        </p:tgtEl>
+                                      </p:cBhvr>
+                                    </p:animEffect>
+                                    <p:anim calcmode="lin" valueType="num">
+                                      <p:cBhvr>
+                                        <p:cTn id="8" dur="2000" fill="hold"/>
+                                        <p:tgtEl>
+                                          <p:spTgt spid="2050"/>
+                                        </p:tgtEl>
+                                        <p:attrNameLst>
+                                          <p:attrName>ppt_w</p:attrName>
+                                        </p:attrNameLst>
+                                      </p:cBhvr>
+                                      <p:tavLst>
+                                        <p:tav tm="0" fmla="#ppt_w*sin(2.5*pi*$)">
+                                          <p:val>
+                                            <p:fltVal val="0"/>
+                                          </p:val>
+                                        </p:tav>
+                                        <p:tav tm="100000">
+                                          <p:val>
+                                            <p:fltVal val="1"/>
+                                          </p:val>
+                                        </p:tav>
+                                      </p:tavLst>
+                                    </p:anim>
+                                    <p:anim calcmode="lin" valueType="num">
+                                      <p:cBhvr>
+                                        <p:cTn id="9" dur="2000" fill="hold"/>
+                                        <p:tgtEl>
+                                          <p:spTgt spid="2050"/>
+                                        </p:tgtEl>
+                                        <p:attrNameLst>
+                                          <p:attrName>ppt_h</p:attrName>
+                                        </p:attrNameLst>
+                                      </p:cBhvr>
+                                      <p:tavLst>
+                                        <p:tav tm="0">
+                                          <p:val>
+                                            <p:strVal val="#ppt_h"/>
+                                          </p:val>
+                                        </p:tav>
+                                        <p:tav tm="100000">
+                                          <p:val>
+                                            <p:strVal val="#ppt_h"/>
+                                          </p:val>
+                                        </p:tav>
+                                      </p:tavLst>
+                                    </p:anim>
+                                  </p:childTnLst>
+                                </p:cTn>
+                              </p:par>
+                            </p:childTnLst>
+                          </p:cTn>
+                        </p:par>
+                      </p:childTnLst>
+                    </p:cTn>
+                  </p:par>
+                </p:childTnLst>
+              </p:cTn>
+              <p:prevCondLst>
+                <p:cond evt="onPrev" delay="0">
+                  <p:tgtEl>
+                    <p:sldTgt/>
+                  </p:tgtEl>
+                </p:cond>
+              </p:prevCondLst>
+              <p:nextCondLst>
+                <p:cond evt="onNext" delay="0">
+                  <p:tgtEl>
+                    <p:sldTgt/>
+                  </p:tgtEl>
+                </p:cond>
+              </p:nextCondLst>
+            </p:seq>
+          </p:childTnLst>
+        </p:cTn>
+      </p:par>
+    </p:tnLst>
+  </p:timing>
 </p:sld>
 </file>
 
@@ -14013,7 +14395,7 @@
         </p:nvSpPr>
         <p:spPr bwMode="auto">
           <a:xfrm>
-            <a:off x="2320926" y="5826126"/>
+            <a:off x="2108031" y="5930864"/>
             <a:ext cx="6075363" cy="923925"/>
           </a:xfrm>
           <a:prstGeom prst="rect">
@@ -14155,12 +14537,44 @@
               </a:spcAft>
             </a:pPr>
             <a:r>
-              <a:rPr lang="nl-BE">
+              <a:rPr lang="nl-BE" dirty="0">
                 <a:solidFill>
                   <a:srgbClr val="666666"/>
                 </a:solidFill>
               </a:rPr>
-              <a:t>int numberOfSheep: slechte keuze! Beter ushort nemen.</a:t>
+              <a:t>int </a:t>
+            </a:r>
+            <a:r>
+              <a:rPr lang="nl-BE" dirty="0" err="1">
+                <a:solidFill>
+                  <a:srgbClr val="666666"/>
+                </a:solidFill>
+              </a:rPr>
+              <a:t>numberOfSheep</a:t>
+            </a:r>
+            <a:r>
+              <a:rPr lang="nl-BE" dirty="0">
+                <a:solidFill>
+                  <a:srgbClr val="666666"/>
+                </a:solidFill>
+              </a:rPr>
+              <a:t>: slechte keuze! Beter </a:t>
+            </a:r>
+            <a:r>
+              <a:rPr lang="nl-BE" dirty="0" err="1">
+                <a:solidFill>
+                  <a:srgbClr val="666666"/>
+                </a:solidFill>
+              </a:rPr>
+              <a:t>ushort</a:t>
+            </a:r>
+            <a:r>
+              <a:rPr lang="nl-BE" dirty="0">
+                <a:solidFill>
+                  <a:srgbClr val="666666"/>
+                </a:solidFill>
+              </a:rPr>
+              <a:t> nemen.</a:t>
             </a:r>
           </a:p>
           <a:p>
@@ -14172,7 +14586,7 @@
                 <a:spcPct val="0"/>
               </a:spcAft>
             </a:pPr>
-            <a:endParaRPr lang="nl-BE">
+            <a:endParaRPr lang="nl-BE" dirty="0">
               <a:solidFill>
                 <a:srgbClr val="666666"/>
               </a:solidFill>
@@ -14188,12 +14602,28 @@
               </a:spcAft>
             </a:pPr>
             <a:r>
-              <a:rPr lang="nl-BE">
+              <a:rPr lang="nl-BE" dirty="0">
                 <a:solidFill>
                   <a:srgbClr val="666666"/>
                 </a:solidFill>
               </a:rPr>
-              <a:t>(u staat voor ‘unsigned’ , zonder teken, dus enkel positief)</a:t>
+              <a:t>(u staat voor ‘</a:t>
+            </a:r>
+            <a:r>
+              <a:rPr lang="nl-BE" dirty="0" err="1">
+                <a:solidFill>
+                  <a:srgbClr val="666666"/>
+                </a:solidFill>
+              </a:rPr>
+              <a:t>unsigned</a:t>
+            </a:r>
+            <a:r>
+              <a:rPr lang="nl-BE" dirty="0">
+                <a:solidFill>
+                  <a:srgbClr val="666666"/>
+                </a:solidFill>
+              </a:rPr>
+              <a:t>’ , zonder teken, dus enkel positief)</a:t>
             </a:r>
           </a:p>
         </p:txBody>

--- a/_SLIDES/2020/H2- De basiconcepten van cs/H2_2_Datatypes.pptx
+++ b/_SLIDES/2020/H2- De basiconcepten van cs/H2_2_Datatypes.pptx
@@ -36,26 +36,27 @@
       <p:font typeface="Archivo Narrow" panose="020B0506020202020B04" pitchFamily="34" charset="0"/>
       <p:regular r:id="rId21"/>
       <p:bold r:id="rId22"/>
+      <p:italic r:id="rId23"/>
     </p:embeddedFont>
     <p:embeddedFont>
       <p:font typeface="Blogger Sans" panose="02000506030000020004" pitchFamily="50" charset="0"/>
-      <p:regular r:id="rId23"/>
-      <p:bold r:id="rId24"/>
-      <p:italic r:id="rId25"/>
+      <p:regular r:id="rId24"/>
+      <p:bold r:id="rId25"/>
+      <p:italic r:id="rId26"/>
     </p:embeddedFont>
     <p:embeddedFont>
       <p:font typeface="Calibri" panose="020F0502020204030204" pitchFamily="34" charset="0"/>
-      <p:regular r:id="rId26"/>
-      <p:bold r:id="rId27"/>
-      <p:italic r:id="rId28"/>
-      <p:boldItalic r:id="rId29"/>
+      <p:regular r:id="rId27"/>
+      <p:bold r:id="rId28"/>
+      <p:italic r:id="rId29"/>
+      <p:boldItalic r:id="rId30"/>
     </p:embeddedFont>
     <p:embeddedFont>
       <p:font typeface="Times" panose="02020603050405020304" pitchFamily="18" charset="0"/>
-      <p:regular r:id="rId30"/>
-      <p:bold r:id="rId31"/>
-      <p:italic r:id="rId32"/>
-      <p:boldItalic r:id="rId33"/>
+      <p:regular r:id="rId31"/>
+      <p:bold r:id="rId32"/>
+      <p:italic r:id="rId33"/>
+      <p:boldItalic r:id="rId34"/>
     </p:embeddedFont>
   </p:embeddedFontLst>
   <p:defaultTextStyle>
@@ -3607,7 +3608,7 @@
           <a:p>
             <a:fld id="{85EE1F57-E73E-475C-872F-886F27274373}" type="datetimeFigureOut">
               <a:rPr lang="nl-BE" smtClean="0"/>
-              <a:t>10/09/2020</a:t>
+              <a:t>16/09/2020</a:t>
             </a:fld>
             <a:endParaRPr lang="nl-BE"/>
           </a:p>
@@ -3772,7 +3773,7 @@
           <a:p>
             <a:fld id="{E0BBF532-A5DD-4E27-82A5-D972027CDA5D}" type="datetimeFigureOut">
               <a:rPr lang="nl-BE" smtClean="0"/>
-              <a:t>10/09/2020</a:t>
+              <a:t>16/09/2020</a:t>
             </a:fld>
             <a:endParaRPr lang="nl-BE"/>
           </a:p>
@@ -4295,7 +4296,7 @@
           <a:p>
             <a:fld id="{36003702-A101-4BD4-8AD7-96FBD908EC64}" type="datetime1">
               <a:rPr lang="nl-BE" smtClean="0"/>
-              <a:t>10/09/2020</a:t>
+              <a:t>16/09/2020</a:t>
             </a:fld>
             <a:endParaRPr lang="nl-BE" dirty="0"/>
           </a:p>
@@ -4592,7 +4593,7 @@
           <a:p>
             <a:fld id="{FB98F814-2EAF-4B96-B142-924E89393194}" type="datetime1">
               <a:rPr lang="nl-BE" smtClean="0"/>
-              <a:t>10/09/2020</a:t>
+              <a:t>16/09/2020</a:t>
             </a:fld>
             <a:endParaRPr lang="nl-BE"/>
           </a:p>
@@ -4805,7 +4806,7 @@
           <a:p>
             <a:fld id="{E2559EBD-FFD9-445F-B912-4E503465C563}" type="datetime1">
               <a:rPr lang="nl-BE" smtClean="0"/>
-              <a:t>10/09/2020</a:t>
+              <a:t>16/09/2020</a:t>
             </a:fld>
             <a:endParaRPr lang="nl-BE"/>
           </a:p>
@@ -5038,7 +5039,7 @@
           <a:p>
             <a:fld id="{1717ECAD-8DA2-43C1-842C-D0D11BFA3E62}" type="datetime1">
               <a:rPr lang="nl-BE" smtClean="0"/>
-              <a:t>10/09/2020</a:t>
+              <a:t>16/09/2020</a:t>
             </a:fld>
             <a:endParaRPr lang="nl-BE"/>
           </a:p>
@@ -5318,7 +5319,7 @@
           <a:p>
             <a:fld id="{F8E292AA-4D98-48DA-84F8-7773EDEEC1C5}" type="datetime1">
               <a:rPr lang="nl-BE" smtClean="0"/>
-              <a:t>10/09/2020</a:t>
+              <a:t>16/09/2020</a:t>
             </a:fld>
             <a:endParaRPr lang="nl-BE"/>
           </a:p>
@@ -5589,7 +5590,7 @@
           <a:p>
             <a:fld id="{7C049EFB-2A16-4E33-ADA4-B7C7BAA10166}" type="datetime1">
               <a:rPr lang="nl-BE" smtClean="0"/>
-              <a:t>10/09/2020</a:t>
+              <a:t>16/09/2020</a:t>
             </a:fld>
             <a:endParaRPr lang="nl-BE"/>
           </a:p>
@@ -6007,7 +6008,7 @@
           <a:p>
             <a:fld id="{88DF7464-58A2-4AC3-8D4F-E9B9A6A49E96}" type="datetime1">
               <a:rPr lang="nl-BE" smtClean="0"/>
-              <a:t>10/09/2020</a:t>
+              <a:t>16/09/2020</a:t>
             </a:fld>
             <a:endParaRPr lang="nl-BE"/>
           </a:p>
@@ -6152,7 +6153,7 @@
           <a:p>
             <a:fld id="{A4A8A232-6BEF-468D-B04A-87BCBA00D5E7}" type="datetime1">
               <a:rPr lang="nl-BE" smtClean="0"/>
-              <a:t>10/09/2020</a:t>
+              <a:t>16/09/2020</a:t>
             </a:fld>
             <a:endParaRPr lang="nl-BE"/>
           </a:p>
@@ -6391,7 +6392,7 @@
           <a:p>
             <a:fld id="{D191E5E8-EEEF-4E29-B9EB-77DAD026F701}" type="datetime1">
               <a:rPr lang="nl-BE" smtClean="0"/>
-              <a:t>10/09/2020</a:t>
+              <a:t>16/09/2020</a:t>
             </a:fld>
             <a:endParaRPr lang="nl-BE"/>
           </a:p>
@@ -6707,7 +6708,7 @@
           <a:p>
             <a:fld id="{4B6BBD82-3B46-4282-B60F-51C2629A47DD}" type="datetime1">
               <a:rPr lang="nl-BE" smtClean="0"/>
-              <a:t>10/09/2020</a:t>
+              <a:t>16/09/2020</a:t>
             </a:fld>
             <a:endParaRPr lang="nl-BE"/>
           </a:p>
@@ -7003,7 +7004,7 @@
           <a:p>
             <a:fld id="{0DEDB961-B8A7-465C-8CC9-583443A068E0}" type="datetime1">
               <a:rPr lang="nl-BE" smtClean="0"/>
-              <a:t>10/09/2020</a:t>
+              <a:t>16/09/2020</a:t>
             </a:fld>
             <a:endParaRPr lang="nl-BE"/>
           </a:p>
@@ -7249,7 +7250,7 @@
           <a:p>
             <a:fld id="{1BD9E0E5-F898-4E08-991D-8BBA1600FDF0}" type="datetime1">
               <a:rPr lang="nl-BE" smtClean="0"/>
-              <a:t>10/09/2020</a:t>
+              <a:t>16/09/2020</a:t>
             </a:fld>
             <a:endParaRPr lang="nl-BE"/>
           </a:p>
@@ -11349,7 +11350,7 @@
 </file>
 
 <file path=ppt/slides/slide17.xml><?xml version="1.0" encoding="utf-8"?>
-<p:sld xmlns:a="http://schemas.openxmlformats.org/drawingml/2006/main" xmlns:r="http://schemas.openxmlformats.org/officeDocument/2006/relationships" xmlns:p="http://schemas.openxmlformats.org/presentationml/2006/main">
+<p:sld xmlns:a="http://schemas.openxmlformats.org/drawingml/2006/main" xmlns:r="http://schemas.openxmlformats.org/officeDocument/2006/relationships" xmlns:p="http://schemas.openxmlformats.org/presentationml/2006/main" show="0">
   <p:cSld>
     <p:spTree>
       <p:nvGrpSpPr>

--- a/_SLIDES/2020/H2- De basiconcepten van cs/H2_2_Datatypes.pptx
+++ b/_SLIDES/2020/H2- De basiconcepten van cs/H2_2_Datatypes.pptx
@@ -5,10 +5,10 @@
     <p:sldMasterId id="2147483684" r:id="rId1"/>
   </p:sldMasterIdLst>
   <p:notesMasterIdLst>
-    <p:notesMasterId r:id="rId19"/>
+    <p:notesMasterId r:id="rId21"/>
   </p:notesMasterIdLst>
   <p:handoutMasterIdLst>
-    <p:handoutMasterId r:id="rId20"/>
+    <p:handoutMasterId r:id="rId22"/>
   </p:handoutMasterIdLst>
   <p:sldIdLst>
     <p:sldId id="289" r:id="rId2"/>
@@ -18,45 +18,47 @@
     <p:sldId id="260" r:id="rId6"/>
     <p:sldId id="261" r:id="rId7"/>
     <p:sldId id="262" r:id="rId8"/>
-    <p:sldId id="271" r:id="rId9"/>
-    <p:sldId id="272" r:id="rId10"/>
-    <p:sldId id="273" r:id="rId11"/>
-    <p:sldId id="274" r:id="rId12"/>
-    <p:sldId id="275" r:id="rId13"/>
-    <p:sldId id="276" r:id="rId14"/>
-    <p:sldId id="277" r:id="rId15"/>
-    <p:sldId id="281" r:id="rId16"/>
-    <p:sldId id="282" r:id="rId17"/>
-    <p:sldId id="259" r:id="rId18"/>
+    <p:sldId id="290" r:id="rId9"/>
+    <p:sldId id="271" r:id="rId10"/>
+    <p:sldId id="272" r:id="rId11"/>
+    <p:sldId id="273" r:id="rId12"/>
+    <p:sldId id="274" r:id="rId13"/>
+    <p:sldId id="291" r:id="rId14"/>
+    <p:sldId id="275" r:id="rId15"/>
+    <p:sldId id="276" r:id="rId16"/>
+    <p:sldId id="277" r:id="rId17"/>
+    <p:sldId id="281" r:id="rId18"/>
+    <p:sldId id="282" r:id="rId19"/>
+    <p:sldId id="259" r:id="rId20"/>
   </p:sldIdLst>
   <p:sldSz cx="12192000" cy="6858000"/>
   <p:notesSz cx="7099300" cy="10234613"/>
   <p:embeddedFontLst>
     <p:embeddedFont>
-      <p:font typeface="Archivo Narrow" panose="020B0506020202020B04" pitchFamily="34" charset="0"/>
-      <p:regular r:id="rId21"/>
-      <p:bold r:id="rId22"/>
-      <p:italic r:id="rId23"/>
+      <p:font typeface="Archivo Narrow" panose="020B0604020202020204" charset="0"/>
+      <p:regular r:id="rId23"/>
+      <p:bold r:id="rId24"/>
+      <p:italic r:id="rId25"/>
     </p:embeddedFont>
     <p:embeddedFont>
-      <p:font typeface="Blogger Sans" panose="02000506030000020004" pitchFamily="50" charset="0"/>
-      <p:regular r:id="rId24"/>
-      <p:bold r:id="rId25"/>
-      <p:italic r:id="rId26"/>
+      <p:font typeface="Blogger Sans" panose="02000506030000020004" charset="0"/>
+      <p:regular r:id="rId26"/>
+      <p:bold r:id="rId27"/>
+      <p:italic r:id="rId28"/>
     </p:embeddedFont>
     <p:embeddedFont>
       <p:font typeface="Calibri" panose="020F0502020204030204" pitchFamily="34" charset="0"/>
-      <p:regular r:id="rId27"/>
-      <p:bold r:id="rId28"/>
-      <p:italic r:id="rId29"/>
-      <p:boldItalic r:id="rId30"/>
+      <p:regular r:id="rId29"/>
+      <p:bold r:id="rId30"/>
+      <p:italic r:id="rId31"/>
+      <p:boldItalic r:id="rId32"/>
     </p:embeddedFont>
     <p:embeddedFont>
       <p:font typeface="Times" panose="02020603050405020304" pitchFamily="18" charset="0"/>
-      <p:regular r:id="rId31"/>
-      <p:bold r:id="rId32"/>
-      <p:italic r:id="rId33"/>
-      <p:boldItalic r:id="rId34"/>
+      <p:regular r:id="rId33"/>
+      <p:bold r:id="rId34"/>
+      <p:italic r:id="rId35"/>
+      <p:boldItalic r:id="rId36"/>
     </p:embeddedFont>
   </p:embeddedFontLst>
   <p:defaultTextStyle>
@@ -3608,7 +3610,7 @@
           <a:p>
             <a:fld id="{85EE1F57-E73E-475C-872F-886F27274373}" type="datetimeFigureOut">
               <a:rPr lang="nl-BE" smtClean="0"/>
-              <a:t>16/09/2020</a:t>
+              <a:t>28/09/2020</a:t>
             </a:fld>
             <a:endParaRPr lang="nl-BE"/>
           </a:p>
@@ -3773,7 +3775,7 @@
           <a:p>
             <a:fld id="{E0BBF532-A5DD-4E27-82A5-D972027CDA5D}" type="datetimeFigureOut">
               <a:rPr lang="nl-BE" smtClean="0"/>
-              <a:t>16/09/2020</a:t>
+              <a:t>28/09/2020</a:t>
             </a:fld>
             <a:endParaRPr lang="nl-BE"/>
           </a:p>
@@ -4296,7 +4298,7 @@
           <a:p>
             <a:fld id="{36003702-A101-4BD4-8AD7-96FBD908EC64}" type="datetime1">
               <a:rPr lang="nl-BE" smtClean="0"/>
-              <a:t>16/09/2020</a:t>
+              <a:t>28/09/2020</a:t>
             </a:fld>
             <a:endParaRPr lang="nl-BE" dirty="0"/>
           </a:p>
@@ -4593,7 +4595,7 @@
           <a:p>
             <a:fld id="{FB98F814-2EAF-4B96-B142-924E89393194}" type="datetime1">
               <a:rPr lang="nl-BE" smtClean="0"/>
-              <a:t>16/09/2020</a:t>
+              <a:t>28/09/2020</a:t>
             </a:fld>
             <a:endParaRPr lang="nl-BE"/>
           </a:p>
@@ -4806,7 +4808,7 @@
           <a:p>
             <a:fld id="{E2559EBD-FFD9-445F-B912-4E503465C563}" type="datetime1">
               <a:rPr lang="nl-BE" smtClean="0"/>
-              <a:t>16/09/2020</a:t>
+              <a:t>28/09/2020</a:t>
             </a:fld>
             <a:endParaRPr lang="nl-BE"/>
           </a:p>
@@ -5039,7 +5041,7 @@
           <a:p>
             <a:fld id="{1717ECAD-8DA2-43C1-842C-D0D11BFA3E62}" type="datetime1">
               <a:rPr lang="nl-BE" smtClean="0"/>
-              <a:t>16/09/2020</a:t>
+              <a:t>28/09/2020</a:t>
             </a:fld>
             <a:endParaRPr lang="nl-BE"/>
           </a:p>
@@ -5319,7 +5321,7 @@
           <a:p>
             <a:fld id="{F8E292AA-4D98-48DA-84F8-7773EDEEC1C5}" type="datetime1">
               <a:rPr lang="nl-BE" smtClean="0"/>
-              <a:t>16/09/2020</a:t>
+              <a:t>28/09/2020</a:t>
             </a:fld>
             <a:endParaRPr lang="nl-BE"/>
           </a:p>
@@ -5590,7 +5592,7 @@
           <a:p>
             <a:fld id="{7C049EFB-2A16-4E33-ADA4-B7C7BAA10166}" type="datetime1">
               <a:rPr lang="nl-BE" smtClean="0"/>
-              <a:t>16/09/2020</a:t>
+              <a:t>28/09/2020</a:t>
             </a:fld>
             <a:endParaRPr lang="nl-BE"/>
           </a:p>
@@ -6008,7 +6010,7 @@
           <a:p>
             <a:fld id="{88DF7464-58A2-4AC3-8D4F-E9B9A6A49E96}" type="datetime1">
               <a:rPr lang="nl-BE" smtClean="0"/>
-              <a:t>16/09/2020</a:t>
+              <a:t>28/09/2020</a:t>
             </a:fld>
             <a:endParaRPr lang="nl-BE"/>
           </a:p>
@@ -6153,7 +6155,7 @@
           <a:p>
             <a:fld id="{A4A8A232-6BEF-468D-B04A-87BCBA00D5E7}" type="datetime1">
               <a:rPr lang="nl-BE" smtClean="0"/>
-              <a:t>16/09/2020</a:t>
+              <a:t>28/09/2020</a:t>
             </a:fld>
             <a:endParaRPr lang="nl-BE"/>
           </a:p>
@@ -6392,7 +6394,7 @@
           <a:p>
             <a:fld id="{D191E5E8-EEEF-4E29-B9EB-77DAD026F701}" type="datetime1">
               <a:rPr lang="nl-BE" smtClean="0"/>
-              <a:t>16/09/2020</a:t>
+              <a:t>28/09/2020</a:t>
             </a:fld>
             <a:endParaRPr lang="nl-BE"/>
           </a:p>
@@ -6708,7 +6710,7 @@
           <a:p>
             <a:fld id="{4B6BBD82-3B46-4282-B60F-51C2629A47DD}" type="datetime1">
               <a:rPr lang="nl-BE" smtClean="0"/>
-              <a:t>16/09/2020</a:t>
+              <a:t>28/09/2020</a:t>
             </a:fld>
             <a:endParaRPr lang="nl-BE"/>
           </a:p>
@@ -7004,7 +7006,7 @@
           <a:p>
             <a:fld id="{0DEDB961-B8A7-465C-8CC9-583443A068E0}" type="datetime1">
               <a:rPr lang="nl-BE" smtClean="0"/>
-              <a:t>16/09/2020</a:t>
+              <a:t>28/09/2020</a:t>
             </a:fld>
             <a:endParaRPr lang="nl-BE"/>
           </a:p>
@@ -7250,7 +7252,7 @@
           <a:p>
             <a:fld id="{1BD9E0E5-F898-4E08-991D-8BBA1600FDF0}" type="datetime1">
               <a:rPr lang="nl-BE" smtClean="0"/>
-              <a:t>16/09/2020</a:t>
+              <a:t>28/09/2020</a:t>
             </a:fld>
             <a:endParaRPr lang="nl-BE"/>
           </a:p>
@@ -8135,6 +8137,221 @@
 <file path=ppt/slides/slide10.xml><?xml version="1.0" encoding="utf-8"?>
 <p:sld xmlns:a="http://schemas.openxmlformats.org/drawingml/2006/main" xmlns:r="http://schemas.openxmlformats.org/officeDocument/2006/relationships" xmlns:p="http://schemas.openxmlformats.org/presentationml/2006/main">
   <p:cSld>
+    <p:bg>
+      <p:bgPr>
+        <a:solidFill>
+          <a:schemeClr val="bg1"/>
+        </a:solidFill>
+        <a:effectLst/>
+      </p:bgPr>
+    </p:bg>
+    <p:spTree>
+      <p:nvGrpSpPr>
+        <p:cNvPr id="1" name=""/>
+        <p:cNvGrpSpPr/>
+        <p:nvPr/>
+      </p:nvGrpSpPr>
+      <p:grpSpPr>
+        <a:xfrm>
+          <a:off x="0" y="0"/>
+          <a:ext cx="0" cy="0"/>
+          <a:chOff x="0" y="0"/>
+          <a:chExt cx="0" cy="0"/>
+        </a:xfrm>
+      </p:grpSpPr>
+      <p:sp>
+        <p:nvSpPr>
+          <p:cNvPr id="115714" name="Titel 1"/>
+          <p:cNvSpPr>
+            <a:spLocks noGrp="1"/>
+          </p:cNvSpPr>
+          <p:nvPr>
+            <p:ph type="title"/>
+          </p:nvPr>
+        </p:nvSpPr>
+        <p:spPr>
+          <a:xfrm>
+            <a:off x="640079" y="2053641"/>
+            <a:ext cx="3669161" cy="2760098"/>
+          </a:xfrm>
+        </p:spPr>
+        <p:txBody>
+          <a:bodyPr>
+            <a:normAutofit/>
+          </a:bodyPr>
+          <a:lstStyle/>
+          <a:p>
+            <a:r>
+              <a:rPr lang="nl-BE" dirty="0"/>
+              <a:t>Reële getallen voorstellen</a:t>
+            </a:r>
+          </a:p>
+        </p:txBody>
+      </p:sp>
+      <p:sp>
+        <p:nvSpPr>
+          <p:cNvPr id="115715" name="Tijdelijke aanduiding voor inhoud 2"/>
+          <p:cNvSpPr>
+            <a:spLocks noGrp="1"/>
+          </p:cNvSpPr>
+          <p:nvPr>
+            <p:ph idx="1"/>
+          </p:nvPr>
+        </p:nvSpPr>
+        <p:spPr>
+          <a:xfrm>
+            <a:off x="6090574" y="801866"/>
+            <a:ext cx="5306084" cy="5230634"/>
+          </a:xfrm>
+        </p:spPr>
+        <p:txBody>
+          <a:bodyPr anchor="ctr">
+            <a:normAutofit/>
+          </a:bodyPr>
+          <a:lstStyle/>
+          <a:p>
+            <a:pPr lvl="2"/>
+            <a:r>
+              <a:rPr lang="nl-BE" sz="2400">
+                <a:solidFill>
+                  <a:srgbClr val="000000"/>
+                </a:solidFill>
+              </a:rPr>
+              <a:t>Computer zal benadering bewaren</a:t>
+            </a:r>
+          </a:p>
+          <a:p>
+            <a:pPr lvl="3"/>
+            <a:r>
+              <a:rPr lang="nl-BE" sz="2400">
+                <a:solidFill>
+                  <a:srgbClr val="000000"/>
+                </a:solidFill>
+              </a:rPr>
+              <a:t>Te lage benadering: verkeerde uitkomsten</a:t>
+            </a:r>
+          </a:p>
+          <a:p>
+            <a:pPr lvl="3"/>
+            <a:r>
+              <a:rPr lang="nl-BE" sz="2400">
+                <a:solidFill>
+                  <a:srgbClr val="000000"/>
+                </a:solidFill>
+              </a:rPr>
+              <a:t>Te hoge benadering: te veel geheugenverbruik</a:t>
+            </a:r>
+          </a:p>
+          <a:p>
+            <a:pPr lvl="3"/>
+            <a:endParaRPr lang="nl-BE" sz="2400">
+              <a:solidFill>
+                <a:srgbClr val="000000"/>
+              </a:solidFill>
+            </a:endParaRPr>
+          </a:p>
+          <a:p>
+            <a:pPr lvl="3"/>
+            <a:endParaRPr lang="nl-BE" sz="2400">
+              <a:solidFill>
+                <a:srgbClr val="000000"/>
+              </a:solidFill>
+            </a:endParaRPr>
+          </a:p>
+          <a:p>
+            <a:pPr lvl="2"/>
+            <a:r>
+              <a:rPr lang="nl-BE" sz="2400">
+                <a:solidFill>
+                  <a:srgbClr val="000000"/>
+                </a:solidFill>
+              </a:rPr>
+              <a:t>C# voorziet verschillende type naargelang afweging geheugengebruik vs. precisie</a:t>
+            </a:r>
+          </a:p>
+          <a:p>
+            <a:endParaRPr lang="nl-BE" sz="2400">
+              <a:solidFill>
+                <a:srgbClr val="000000"/>
+              </a:solidFill>
+            </a:endParaRPr>
+          </a:p>
+        </p:txBody>
+      </p:sp>
+      <p:sp>
+        <p:nvSpPr>
+          <p:cNvPr id="2" name="Tijdelijke aanduiding voor voettekst 1">
+            <a:extLst>
+              <a:ext uri="{FF2B5EF4-FFF2-40B4-BE49-F238E27FC236}">
+                <a16:creationId xmlns:a16="http://schemas.microsoft.com/office/drawing/2014/main" id="{57D76702-ABF0-4C62-BD56-FD2A216F2F07}"/>
+              </a:ext>
+            </a:extLst>
+          </p:cNvPr>
+          <p:cNvSpPr>
+            <a:spLocks noGrp="1"/>
+          </p:cNvSpPr>
+          <p:nvPr>
+            <p:ph type="ftr" sz="quarter" idx="11"/>
+          </p:nvPr>
+        </p:nvSpPr>
+        <p:spPr/>
+        <p:txBody>
+          <a:bodyPr/>
+          <a:lstStyle/>
+          <a:p>
+            <a:r>
+              <a:rPr lang="nl-BE"/>
+              <a:t>Zie Scherp</a:t>
+            </a:r>
+            <a:endParaRPr lang="nl-BE" dirty="0"/>
+          </a:p>
+        </p:txBody>
+      </p:sp>
+      <p:sp>
+        <p:nvSpPr>
+          <p:cNvPr id="3" name="Tijdelijke aanduiding voor dianummer 2">
+            <a:extLst>
+              <a:ext uri="{FF2B5EF4-FFF2-40B4-BE49-F238E27FC236}">
+                <a16:creationId xmlns:a16="http://schemas.microsoft.com/office/drawing/2014/main" id="{FBC7CF3C-F020-4B77-8E90-4A534E629295}"/>
+              </a:ext>
+            </a:extLst>
+          </p:cNvPr>
+          <p:cNvSpPr>
+            <a:spLocks noGrp="1"/>
+          </p:cNvSpPr>
+          <p:nvPr>
+            <p:ph type="sldNum" sz="quarter" idx="12"/>
+          </p:nvPr>
+        </p:nvSpPr>
+        <p:spPr/>
+        <p:txBody>
+          <a:bodyPr/>
+          <a:lstStyle/>
+          <a:p>
+            <a:fld id="{E8A62353-F7CD-46ED-8877-B27D0E33FCF8}" type="slidenum">
+              <a:rPr lang="nl-BE" smtClean="0"/>
+              <a:t>10</a:t>
+            </a:fld>
+            <a:endParaRPr lang="nl-BE"/>
+          </a:p>
+        </p:txBody>
+      </p:sp>
+    </p:spTree>
+    <p:extLst>
+      <p:ext uri="{BB962C8B-B14F-4D97-AF65-F5344CB8AC3E}">
+        <p14:creationId xmlns:p14="http://schemas.microsoft.com/office/powerpoint/2010/main" val="1364461614"/>
+      </p:ext>
+    </p:extLst>
+  </p:cSld>
+  <p:clrMapOvr>
+    <a:masterClrMapping/>
+  </p:clrMapOvr>
+</p:sld>
+</file>
+
+<file path=ppt/slides/slide11.xml><?xml version="1.0" encoding="utf-8"?>
+<p:sld xmlns:a="http://schemas.openxmlformats.org/drawingml/2006/main" xmlns:r="http://schemas.openxmlformats.org/officeDocument/2006/relationships" xmlns:p="http://schemas.openxmlformats.org/presentationml/2006/main">
+  <p:cSld>
     <p:spTree>
       <p:nvGrpSpPr>
         <p:cNvPr id="1" name=""/>
@@ -8652,7 +8869,7 @@
           <a:p>
             <a:fld id="{E8A62353-F7CD-46ED-8877-B27D0E33FCF8}" type="slidenum">
               <a:rPr lang="nl-BE" smtClean="0"/>
-              <a:t>10</a:t>
+              <a:t>11</a:t>
             </a:fld>
             <a:endParaRPr lang="nl-BE"/>
           </a:p>
@@ -8671,7 +8888,7 @@
 </p:sld>
 </file>
 
-<file path=ppt/slides/slide11.xml><?xml version="1.0" encoding="utf-8"?>
+<file path=ppt/slides/slide12.xml><?xml version="1.0" encoding="utf-8"?>
 <p:sld xmlns:a="http://schemas.openxmlformats.org/drawingml/2006/main" xmlns:r="http://schemas.openxmlformats.org/officeDocument/2006/relationships" xmlns:p="http://schemas.openxmlformats.org/presentationml/2006/main">
   <p:cSld>
     <p:spTree>
@@ -9062,6 +9279,488 @@
       </p:graphicFrame>
       <p:sp>
         <p:nvSpPr>
+          <p:cNvPr id="117791" name="Titel 1"/>
+          <p:cNvSpPr>
+            <a:spLocks noGrp="1"/>
+          </p:cNvSpPr>
+          <p:nvPr>
+            <p:ph type="title"/>
+          </p:nvPr>
+        </p:nvSpPr>
+        <p:spPr/>
+        <p:txBody>
+          <a:bodyPr/>
+          <a:lstStyle/>
+          <a:p>
+            <a:r>
+              <a:rPr lang="nl-BE"/>
+              <a:t>Real values groottes</a:t>
+            </a:r>
+          </a:p>
+        </p:txBody>
+      </p:sp>
+      <p:sp>
+        <p:nvSpPr>
+          <p:cNvPr id="2" name="Tijdelijke aanduiding voor voettekst 1">
+            <a:extLst>
+              <a:ext uri="{FF2B5EF4-FFF2-40B4-BE49-F238E27FC236}">
+                <a16:creationId xmlns:a16="http://schemas.microsoft.com/office/drawing/2014/main" id="{58506B02-356E-43C4-BFF5-DF29AA6C03F3}"/>
+              </a:ext>
+            </a:extLst>
+          </p:cNvPr>
+          <p:cNvSpPr>
+            <a:spLocks noGrp="1"/>
+          </p:cNvSpPr>
+          <p:nvPr>
+            <p:ph type="ftr" sz="quarter" idx="11"/>
+          </p:nvPr>
+        </p:nvSpPr>
+        <p:spPr/>
+        <p:txBody>
+          <a:bodyPr/>
+          <a:lstStyle/>
+          <a:p>
+            <a:r>
+              <a:rPr lang="nl-BE"/>
+              <a:t>Zie Scherp</a:t>
+            </a:r>
+            <a:endParaRPr lang="nl-BE" dirty="0"/>
+          </a:p>
+        </p:txBody>
+      </p:sp>
+      <p:sp>
+        <p:nvSpPr>
+          <p:cNvPr id="3" name="Tijdelijke aanduiding voor dianummer 2">
+            <a:extLst>
+              <a:ext uri="{FF2B5EF4-FFF2-40B4-BE49-F238E27FC236}">
+                <a16:creationId xmlns:a16="http://schemas.microsoft.com/office/drawing/2014/main" id="{F7A5BE89-6F7B-4C60-865F-6F49BC1CCD1E}"/>
+              </a:ext>
+            </a:extLst>
+          </p:cNvPr>
+          <p:cNvSpPr>
+            <a:spLocks noGrp="1"/>
+          </p:cNvSpPr>
+          <p:nvPr>
+            <p:ph type="sldNum" sz="quarter" idx="12"/>
+          </p:nvPr>
+        </p:nvSpPr>
+        <p:spPr/>
+        <p:txBody>
+          <a:bodyPr/>
+          <a:lstStyle/>
+          <a:p>
+            <a:fld id="{E8A62353-F7CD-46ED-8877-B27D0E33FCF8}" type="slidenum">
+              <a:rPr lang="nl-BE" smtClean="0"/>
+              <a:t>12</a:t>
+            </a:fld>
+            <a:endParaRPr lang="nl-BE"/>
+          </a:p>
+        </p:txBody>
+      </p:sp>
+    </p:spTree>
+    <p:extLst>
+      <p:ext uri="{BB962C8B-B14F-4D97-AF65-F5344CB8AC3E}">
+        <p14:creationId xmlns:p14="http://schemas.microsoft.com/office/powerpoint/2010/main" val="612136890"/>
+      </p:ext>
+    </p:extLst>
+  </p:cSld>
+  <p:clrMapOvr>
+    <a:masterClrMapping/>
+  </p:clrMapOvr>
+</p:sld>
+</file>
+
+<file path=ppt/slides/slide13.xml><?xml version="1.0" encoding="utf-8"?>
+<p:sld xmlns:a="http://schemas.openxmlformats.org/drawingml/2006/main" xmlns:r="http://schemas.openxmlformats.org/officeDocument/2006/relationships" xmlns:p="http://schemas.openxmlformats.org/presentationml/2006/main">
+  <p:cSld>
+    <p:spTree>
+      <p:nvGrpSpPr>
+        <p:cNvPr id="1" name=""/>
+        <p:cNvGrpSpPr/>
+        <p:nvPr/>
+      </p:nvGrpSpPr>
+      <p:grpSpPr>
+        <a:xfrm>
+          <a:off x="0" y="0"/>
+          <a:ext cx="0" cy="0"/>
+          <a:chOff x="0" y="0"/>
+          <a:chExt cx="0" cy="0"/>
+        </a:xfrm>
+      </p:grpSpPr>
+      <p:graphicFrame>
+        <p:nvGraphicFramePr>
+          <p:cNvPr id="9" name="Tabel 8"/>
+          <p:cNvGraphicFramePr>
+            <a:graphicFrameLocks noGrp="1"/>
+          </p:cNvGraphicFramePr>
+          <p:nvPr/>
+        </p:nvGraphicFramePr>
+        <p:xfrm>
+          <a:off x="2395538" y="2116138"/>
+          <a:ext cx="7697788" cy="1471612"/>
+        </p:xfrm>
+        <a:graphic>
+          <a:graphicData uri="http://schemas.openxmlformats.org/drawingml/2006/table">
+            <a:tbl>
+              <a:tblPr firstRow="1" bandRow="1">
+                <a:tableStyleId>{5C22544A-7EE6-4342-B048-85BDC9FD1C3A}</a:tableStyleId>
+              </a:tblPr>
+              <a:tblGrid>
+                <a:gridCol w="1357208">
+                  <a:extLst>
+                    <a:ext uri="{9D8B030D-6E8A-4147-A177-3AD203B41FA5}">
+                      <a16:colId xmlns:a16="http://schemas.microsoft.com/office/drawing/2014/main" val="20000"/>
+                    </a:ext>
+                  </a:extLst>
+                </a:gridCol>
+                <a:gridCol w="1438165">
+                  <a:extLst>
+                    <a:ext uri="{9D8B030D-6E8A-4147-A177-3AD203B41FA5}">
+                      <a16:colId xmlns:a16="http://schemas.microsoft.com/office/drawing/2014/main" val="20001"/>
+                    </a:ext>
+                  </a:extLst>
+                </a:gridCol>
+                <a:gridCol w="2429076">
+                  <a:extLst>
+                    <a:ext uri="{9D8B030D-6E8A-4147-A177-3AD203B41FA5}">
+                      <a16:colId xmlns:a16="http://schemas.microsoft.com/office/drawing/2014/main" val="20002"/>
+                    </a:ext>
+                  </a:extLst>
+                </a:gridCol>
+                <a:gridCol w="2473339">
+                  <a:extLst>
+                    <a:ext uri="{9D8B030D-6E8A-4147-A177-3AD203B41FA5}">
+                      <a16:colId xmlns:a16="http://schemas.microsoft.com/office/drawing/2014/main" val="20003"/>
+                    </a:ext>
+                  </a:extLst>
+                </a:gridCol>
+              </a:tblGrid>
+              <a:tr h="367903">
+                <a:tc>
+                  <a:txBody>
+                    <a:bodyPr/>
+                    <a:lstStyle/>
+                    <a:p>
+                      <a:r>
+                        <a:rPr lang="nl-BE" sz="1800" dirty="0"/>
+                        <a:t>Type</a:t>
+                      </a:r>
+                    </a:p>
+                  </a:txBody>
+                  <a:tcPr marL="91433" marR="91433" marT="45698" marB="45698"/>
+                </a:tc>
+                <a:tc>
+                  <a:txBody>
+                    <a:bodyPr/>
+                    <a:lstStyle/>
+                    <a:p>
+                      <a:r>
+                        <a:rPr lang="nl-BE" sz="1800" dirty="0"/>
+                        <a:t>Geheugen</a:t>
+                      </a:r>
+                    </a:p>
+                  </a:txBody>
+                  <a:tcPr marL="91433" marR="91433" marT="45698" marB="45698"/>
+                </a:tc>
+                <a:tc>
+                  <a:txBody>
+                    <a:bodyPr/>
+                    <a:lstStyle/>
+                    <a:p>
+                      <a:r>
+                        <a:rPr lang="nl-BE" sz="1800" dirty="0"/>
+                        <a:t>Range</a:t>
+                      </a:r>
+                    </a:p>
+                  </a:txBody>
+                  <a:tcPr marL="91433" marR="91433" marT="45698" marB="45698"/>
+                </a:tc>
+                <a:tc>
+                  <a:txBody>
+                    <a:bodyPr/>
+                    <a:lstStyle/>
+                    <a:p>
+                      <a:r>
+                        <a:rPr lang="nl-BE" sz="1800" dirty="0"/>
+                        <a:t>Precisie </a:t>
+                      </a:r>
+                    </a:p>
+                  </a:txBody>
+                  <a:tcPr marL="91433" marR="91433" marT="45698" marB="45698"/>
+                </a:tc>
+                <a:extLst>
+                  <a:ext uri="{0D108BD9-81ED-4DB2-BD59-A6C34878D82A}">
+                    <a16:rowId xmlns:a16="http://schemas.microsoft.com/office/drawing/2014/main" val="10000"/>
+                  </a:ext>
+                </a:extLst>
+              </a:tr>
+              <a:tr h="367903">
+                <a:tc>
+                  <a:txBody>
+                    <a:bodyPr/>
+                    <a:lstStyle/>
+                    <a:p>
+                      <a:r>
+                        <a:rPr lang="nl-BE" sz="1800" dirty="0" err="1"/>
+                        <a:t>float</a:t>
+                      </a:r>
+                      <a:endParaRPr lang="nl-BE" sz="1800" dirty="0"/>
+                    </a:p>
+                  </a:txBody>
+                  <a:tcPr marL="91433" marR="91433" marT="45698" marB="45698"/>
+                </a:tc>
+                <a:tc>
+                  <a:txBody>
+                    <a:bodyPr/>
+                    <a:lstStyle/>
+                    <a:p>
+                      <a:r>
+                        <a:rPr lang="nl-BE" sz="1800" b="1" dirty="0"/>
+                        <a:t>32 bits</a:t>
+                      </a:r>
+                    </a:p>
+                  </a:txBody>
+                  <a:tcPr marL="91433" marR="91433" marT="45698" marB="45698"/>
+                </a:tc>
+                <a:tc>
+                  <a:txBody>
+                    <a:bodyPr/>
+                    <a:lstStyle/>
+                    <a:p>
+                      <a:r>
+                        <a:rPr lang="nl-BE" sz="1800" dirty="0"/>
+                        <a:t>1,5*10</a:t>
+                      </a:r>
+                      <a:r>
+                        <a:rPr lang="nl-BE" sz="1800" baseline="30000" dirty="0"/>
+                        <a:t>-45</a:t>
+                      </a:r>
+                      <a:r>
+                        <a:rPr lang="nl-BE" sz="1800" baseline="0" dirty="0"/>
+                        <a:t> tot </a:t>
+                      </a:r>
+                      <a:r>
+                        <a:rPr lang="nl-BE" sz="1800" dirty="0"/>
+                        <a:t>3,4*10</a:t>
+                      </a:r>
+                      <a:r>
+                        <a:rPr lang="nl-BE" sz="1800" baseline="30000" dirty="0"/>
+                        <a:t>48</a:t>
+                      </a:r>
+                      <a:r>
+                        <a:rPr lang="nl-BE" sz="1800" baseline="0" dirty="0"/>
+                        <a:t> </a:t>
+                      </a:r>
+                      <a:endParaRPr lang="nl-BE" sz="1800" dirty="0"/>
+                    </a:p>
+                  </a:txBody>
+                  <a:tcPr marL="91433" marR="91433" marT="45698" marB="45698"/>
+                </a:tc>
+                <a:tc>
+                  <a:txBody>
+                    <a:bodyPr/>
+                    <a:lstStyle/>
+                    <a:p>
+                      <a:r>
+                        <a:rPr lang="nl-BE" sz="1800" dirty="0"/>
+                        <a:t>7 </a:t>
+                      </a:r>
+                      <a:r>
+                        <a:rPr lang="nl-BE" sz="1800" dirty="0" err="1"/>
+                        <a:t>digits</a:t>
+                      </a:r>
+                      <a:endParaRPr lang="nl-BE" sz="1800" dirty="0"/>
+                    </a:p>
+                  </a:txBody>
+                  <a:tcPr marL="91433" marR="91433" marT="45698" marB="45698"/>
+                </a:tc>
+                <a:extLst>
+                  <a:ext uri="{0D108BD9-81ED-4DB2-BD59-A6C34878D82A}">
+                    <a16:rowId xmlns:a16="http://schemas.microsoft.com/office/drawing/2014/main" val="10001"/>
+                  </a:ext>
+                </a:extLst>
+              </a:tr>
+              <a:tr h="367903">
+                <a:tc>
+                  <a:txBody>
+                    <a:bodyPr/>
+                    <a:lstStyle/>
+                    <a:p>
+                      <a:r>
+                        <a:rPr lang="nl-BE" sz="1800" dirty="0"/>
+                        <a:t>double</a:t>
+                      </a:r>
+                    </a:p>
+                  </a:txBody>
+                  <a:tcPr marL="91433" marR="91433" marT="45698" marB="45698"/>
+                </a:tc>
+                <a:tc>
+                  <a:txBody>
+                    <a:bodyPr/>
+                    <a:lstStyle/>
+                    <a:p>
+                      <a:r>
+                        <a:rPr lang="nl-BE" sz="1800" dirty="0"/>
+                        <a:t>64 bits</a:t>
+                      </a:r>
+                    </a:p>
+                  </a:txBody>
+                  <a:tcPr marL="91433" marR="91433" marT="45698" marB="45698"/>
+                </a:tc>
+                <a:tc>
+                  <a:txBody>
+                    <a:bodyPr/>
+                    <a:lstStyle/>
+                    <a:p>
+                      <a:r>
+                        <a:rPr lang="nl-BE" sz="1800" b="1" dirty="0"/>
+                        <a:t>5*10</a:t>
+                      </a:r>
+                      <a:r>
+                        <a:rPr lang="nl-BE" sz="1800" b="1" baseline="30000" dirty="0"/>
+                        <a:t>-324</a:t>
+                      </a:r>
+                      <a:r>
+                        <a:rPr lang="nl-BE" sz="1800" b="1" baseline="0" dirty="0"/>
+                        <a:t> tot </a:t>
+                      </a:r>
+                      <a:r>
+                        <a:rPr lang="nl-BE" sz="1800" b="1" dirty="0"/>
+                        <a:t>1,7*10</a:t>
+                      </a:r>
+                      <a:r>
+                        <a:rPr lang="nl-BE" sz="1800" b="1" baseline="30000" dirty="0"/>
+                        <a:t>308</a:t>
+                      </a:r>
+                      <a:r>
+                        <a:rPr lang="nl-BE" sz="1800" b="1" baseline="0" dirty="0"/>
+                        <a:t> </a:t>
+                      </a:r>
+                      <a:endParaRPr lang="nl-BE" sz="1800" b="1" dirty="0"/>
+                    </a:p>
+                  </a:txBody>
+                  <a:tcPr marL="91433" marR="91433" marT="45698" marB="45698"/>
+                </a:tc>
+                <a:tc>
+                  <a:txBody>
+                    <a:bodyPr/>
+                    <a:lstStyle/>
+                    <a:p>
+                      <a:r>
+                        <a:rPr lang="nl-BE" sz="1800" dirty="0"/>
+                        <a:t>15 </a:t>
+                      </a:r>
+                      <a:r>
+                        <a:rPr lang="nl-BE" sz="1800" dirty="0" err="1"/>
+                        <a:t>digits</a:t>
+                      </a:r>
+                      <a:endParaRPr lang="nl-BE" sz="1800" dirty="0"/>
+                    </a:p>
+                  </a:txBody>
+                  <a:tcPr marL="91433" marR="91433" marT="45698" marB="45698"/>
+                </a:tc>
+                <a:extLst>
+                  <a:ext uri="{0D108BD9-81ED-4DB2-BD59-A6C34878D82A}">
+                    <a16:rowId xmlns:a16="http://schemas.microsoft.com/office/drawing/2014/main" val="10002"/>
+                  </a:ext>
+                </a:extLst>
+              </a:tr>
+              <a:tr h="367903">
+                <a:tc>
+                  <a:txBody>
+                    <a:bodyPr/>
+                    <a:lstStyle/>
+                    <a:p>
+                      <a:r>
+                        <a:rPr lang="nl-BE" sz="1800" dirty="0" err="1"/>
+                        <a:t>decimal</a:t>
+                      </a:r>
+                      <a:endParaRPr lang="nl-BE" sz="1800" dirty="0"/>
+                    </a:p>
+                  </a:txBody>
+                  <a:tcPr marL="91433" marR="91433" marT="45698" marB="45698"/>
+                </a:tc>
+                <a:tc>
+                  <a:txBody>
+                    <a:bodyPr/>
+                    <a:lstStyle/>
+                    <a:p>
+                      <a:r>
+                        <a:rPr lang="nl-BE" sz="1800" dirty="0"/>
+                        <a:t>128 bits</a:t>
+                      </a:r>
+                    </a:p>
+                  </a:txBody>
+                  <a:tcPr marL="91433" marR="91433" marT="45698" marB="45698"/>
+                </a:tc>
+                <a:tc>
+                  <a:txBody>
+                    <a:bodyPr/>
+                    <a:lstStyle/>
+                    <a:p>
+                      <a:r>
+                        <a:rPr lang="nl-BE" sz="1800" dirty="0"/>
+                        <a:t>1*10</a:t>
+                      </a:r>
+                      <a:r>
+                        <a:rPr lang="nl-BE" sz="1800" baseline="30000" dirty="0"/>
+                        <a:t>-28</a:t>
+                      </a:r>
+                      <a:r>
+                        <a:rPr lang="nl-BE" sz="1800" baseline="0" dirty="0"/>
+                        <a:t> tot </a:t>
+                      </a:r>
+                      <a:r>
+                        <a:rPr lang="nl-BE" sz="1800" dirty="0"/>
+                        <a:t>7,9*10</a:t>
+                      </a:r>
+                      <a:r>
+                        <a:rPr lang="nl-BE" sz="1800" baseline="30000" dirty="0"/>
+                        <a:t>28</a:t>
+                      </a:r>
+                      <a:r>
+                        <a:rPr lang="nl-BE" sz="1800" baseline="0" dirty="0"/>
+                        <a:t> </a:t>
+                      </a:r>
+                      <a:endParaRPr lang="nl-BE" sz="1800" dirty="0"/>
+                    </a:p>
+                  </a:txBody>
+                  <a:tcPr marL="91433" marR="91433" marT="45698" marB="45698"/>
+                </a:tc>
+                <a:tc>
+                  <a:txBody>
+                    <a:bodyPr/>
+                    <a:lstStyle/>
+                    <a:p>
+                      <a:r>
+                        <a:rPr lang="nl-BE" sz="1800" b="1" dirty="0"/>
+                        <a:t>28</a:t>
+                      </a:r>
+                      <a:r>
+                        <a:rPr lang="nl-BE" sz="1800" b="1" baseline="0" dirty="0"/>
+                        <a:t>-29 </a:t>
+                      </a:r>
+                      <a:r>
+                        <a:rPr lang="nl-BE" sz="1800" b="1" baseline="0" dirty="0" err="1"/>
+                        <a:t>digits</a:t>
+                      </a:r>
+                      <a:endParaRPr lang="nl-BE" sz="1800" b="1" dirty="0"/>
+                    </a:p>
+                  </a:txBody>
+                  <a:tcPr marL="91433" marR="91433" marT="45698" marB="45698"/>
+                </a:tc>
+                <a:extLst>
+                  <a:ext uri="{0D108BD9-81ED-4DB2-BD59-A6C34878D82A}">
+                    <a16:rowId xmlns:a16="http://schemas.microsoft.com/office/drawing/2014/main" val="10003"/>
+                  </a:ext>
+                </a:extLst>
+              </a:tr>
+            </a:tbl>
+          </a:graphicData>
+        </a:graphic>
+      </p:graphicFrame>
+      <p:sp>
+        <p:nvSpPr>
           <p:cNvPr id="8" name="Cilinder 7"/>
           <p:cNvSpPr>
             <a:spLocks noChangeArrowheads="1"/>
@@ -9293,7 +9992,7 @@
           <a:p>
             <a:fld id="{E8A62353-F7CD-46ED-8877-B27D0E33FCF8}" type="slidenum">
               <a:rPr lang="nl-BE" smtClean="0"/>
-              <a:t>11</a:t>
+              <a:t>13</a:t>
             </a:fld>
             <a:endParaRPr lang="nl-BE"/>
           </a:p>
@@ -9302,7 +10001,7 @@
     </p:spTree>
     <p:extLst>
       <p:ext uri="{BB962C8B-B14F-4D97-AF65-F5344CB8AC3E}">
-        <p14:creationId xmlns:p14="http://schemas.microsoft.com/office/powerpoint/2010/main" val="612136890"/>
+        <p14:creationId xmlns:p14="http://schemas.microsoft.com/office/powerpoint/2010/main" val="3819924771"/>
       </p:ext>
     </p:extLst>
   </p:cSld>
@@ -9482,7 +10181,7 @@
 </p:sld>
 </file>
 
-<file path=ppt/slides/slide12.xml><?xml version="1.0" encoding="utf-8"?>
+<file path=ppt/slides/slide14.xml><?xml version="1.0" encoding="utf-8"?>
 <p:sld xmlns:a="http://schemas.openxmlformats.org/drawingml/2006/main" xmlns:r="http://schemas.openxmlformats.org/officeDocument/2006/relationships" xmlns:p="http://schemas.openxmlformats.org/presentationml/2006/main">
   <p:cSld>
     <p:spTree>
@@ -9724,7 +10423,7 @@
                   <a:spcPct val="0"/>
                 </a:spcAft>
               </a:pPr>
-              <a:t>12</a:t>
+              <a:t>14</a:t>
             </a:fld>
             <a:endParaRPr lang="nl-NL">
               <a:solidFill>
@@ -10085,7 +10784,7 @@
 </p:sld>
 </file>
 
-<file path=ppt/slides/slide13.xml><?xml version="1.0" encoding="utf-8"?>
+<file path=ppt/slides/slide15.xml><?xml version="1.0" encoding="utf-8"?>
 <p:sld xmlns:a="http://schemas.openxmlformats.org/drawingml/2006/main" xmlns:r="http://schemas.openxmlformats.org/officeDocument/2006/relationships" xmlns:p="http://schemas.openxmlformats.org/presentationml/2006/main">
   <p:cSld>
     <p:spTree>
@@ -10326,7 +11025,7 @@
           <a:p>
             <a:fld id="{E8A62353-F7CD-46ED-8877-B27D0E33FCF8}" type="slidenum">
               <a:rPr lang="nl-BE" smtClean="0"/>
-              <a:t>13</a:t>
+              <a:t>15</a:t>
             </a:fld>
             <a:endParaRPr lang="nl-BE"/>
           </a:p>
@@ -10597,7 +11296,7 @@
 </p:sld>
 </file>
 
-<file path=ppt/slides/slide14.xml><?xml version="1.0" encoding="utf-8"?>
+<file path=ppt/slides/slide16.xml><?xml version="1.0" encoding="utf-8"?>
 <p:sld xmlns:a="http://schemas.openxmlformats.org/drawingml/2006/main" xmlns:r="http://schemas.openxmlformats.org/officeDocument/2006/relationships" xmlns:p="http://schemas.openxmlformats.org/presentationml/2006/main">
   <p:cSld>
     <p:spTree>
@@ -10766,7 +11465,7 @@
           <a:p>
             <a:fld id="{E8A62353-F7CD-46ED-8877-B27D0E33FCF8}" type="slidenum">
               <a:rPr lang="nl-BE" smtClean="0"/>
-              <a:t>14</a:t>
+              <a:t>16</a:t>
             </a:fld>
             <a:endParaRPr lang="nl-BE"/>
           </a:p>
@@ -10785,7 +11484,7 @@
 </p:sld>
 </file>
 
-<file path=ppt/slides/slide15.xml><?xml version="1.0" encoding="utf-8"?>
+<file path=ppt/slides/slide17.xml><?xml version="1.0" encoding="utf-8"?>
 <p:sld xmlns:a="http://schemas.openxmlformats.org/drawingml/2006/main" xmlns:r="http://schemas.openxmlformats.org/officeDocument/2006/relationships" xmlns:p="http://schemas.openxmlformats.org/presentationml/2006/main">
   <p:cSld>
     <p:bg>
@@ -10992,7 +11691,7 @@
                   <a:spcPts val="600"/>
                 </a:spcAft>
               </a:pPr>
-              <a:t>15</a:t>
+              <a:t>17</a:t>
             </a:fld>
             <a:endParaRPr lang="nl-BE" sz="1000">
               <a:solidFill>
@@ -11044,7 +11743,7 @@
 </p:sld>
 </file>
 
-<file path=ppt/slides/slide16.xml><?xml version="1.0" encoding="utf-8"?>
+<file path=ppt/slides/slide18.xml><?xml version="1.0" encoding="utf-8"?>
 <p:sld xmlns:a="http://schemas.openxmlformats.org/drawingml/2006/main" xmlns:r="http://schemas.openxmlformats.org/officeDocument/2006/relationships" xmlns:p="http://schemas.openxmlformats.org/presentationml/2006/main">
   <p:cSld>
     <p:bg>
@@ -11297,7 +11996,7 @@
                   <a:spcPts val="600"/>
                 </a:spcAft>
               </a:pPr>
-              <a:t>16</a:t>
+              <a:t>18</a:t>
             </a:fld>
             <a:endParaRPr lang="nl-BE" sz="1000">
               <a:solidFill>
@@ -11349,7 +12048,7 @@
 </p:sld>
 </file>
 
-<file path=ppt/slides/slide17.xml><?xml version="1.0" encoding="utf-8"?>
+<file path=ppt/slides/slide19.xml><?xml version="1.0" encoding="utf-8"?>
 <p:sld xmlns:a="http://schemas.openxmlformats.org/drawingml/2006/main" xmlns:r="http://schemas.openxmlformats.org/officeDocument/2006/relationships" xmlns:p="http://schemas.openxmlformats.org/presentationml/2006/main" show="0">
   <p:cSld>
     <p:spTree>
@@ -11545,7 +12244,7 @@
           <a:p>
             <a:fld id="{E8A62353-F7CD-46ED-8877-B27D0E33FCF8}" type="slidenum">
               <a:rPr lang="nl-BE" smtClean="0"/>
-              <a:t>17</a:t>
+              <a:t>19</a:t>
             </a:fld>
             <a:endParaRPr lang="nl-BE"/>
           </a:p>
@@ -15386,6 +16085,642 @@
       </p:sp>
       <p:sp>
         <p:nvSpPr>
+          <p:cNvPr id="2" name="Tijdelijke aanduiding voor voettekst 1">
+            <a:extLst>
+              <a:ext uri="{FF2B5EF4-FFF2-40B4-BE49-F238E27FC236}">
+                <a16:creationId xmlns:a16="http://schemas.microsoft.com/office/drawing/2014/main" id="{B437DEC2-7413-4581-9EE6-E2406E6BEC58}"/>
+              </a:ext>
+            </a:extLst>
+          </p:cNvPr>
+          <p:cNvSpPr>
+            <a:spLocks noGrp="1"/>
+          </p:cNvSpPr>
+          <p:nvPr>
+            <p:ph type="ftr" sz="quarter" idx="11"/>
+          </p:nvPr>
+        </p:nvSpPr>
+        <p:spPr/>
+        <p:txBody>
+          <a:bodyPr/>
+          <a:lstStyle/>
+          <a:p>
+            <a:r>
+              <a:rPr lang="nl-BE"/>
+              <a:t>Zie Scherp</a:t>
+            </a:r>
+            <a:endParaRPr lang="nl-BE" dirty="0"/>
+          </a:p>
+        </p:txBody>
+      </p:sp>
+      <p:sp>
+        <p:nvSpPr>
+          <p:cNvPr id="3" name="Tijdelijke aanduiding voor dianummer 2">
+            <a:extLst>
+              <a:ext uri="{FF2B5EF4-FFF2-40B4-BE49-F238E27FC236}">
+                <a16:creationId xmlns:a16="http://schemas.microsoft.com/office/drawing/2014/main" id="{6D4BAFC3-4D5D-4239-9B11-541D39669209}"/>
+              </a:ext>
+            </a:extLst>
+          </p:cNvPr>
+          <p:cNvSpPr>
+            <a:spLocks noGrp="1"/>
+          </p:cNvSpPr>
+          <p:nvPr>
+            <p:ph type="sldNum" sz="quarter" idx="12"/>
+          </p:nvPr>
+        </p:nvSpPr>
+        <p:spPr/>
+        <p:txBody>
+          <a:bodyPr/>
+          <a:lstStyle/>
+          <a:p>
+            <a:fld id="{E8A62353-F7CD-46ED-8877-B27D0E33FCF8}" type="slidenum">
+              <a:rPr lang="nl-BE" smtClean="0"/>
+              <a:t>7</a:t>
+            </a:fld>
+            <a:endParaRPr lang="nl-BE"/>
+          </a:p>
+        </p:txBody>
+      </p:sp>
+    </p:spTree>
+    <p:extLst>
+      <p:ext uri="{BB962C8B-B14F-4D97-AF65-F5344CB8AC3E}">
+        <p14:creationId xmlns:p14="http://schemas.microsoft.com/office/powerpoint/2010/main" val="3909805562"/>
+      </p:ext>
+    </p:extLst>
+  </p:cSld>
+  <p:clrMapOvr>
+    <a:masterClrMapping/>
+  </p:clrMapOvr>
+</p:sld>
+</file>
+
+<file path=ppt/slides/slide8.xml><?xml version="1.0" encoding="utf-8"?>
+<p:sld xmlns:a="http://schemas.openxmlformats.org/drawingml/2006/main" xmlns:r="http://schemas.openxmlformats.org/officeDocument/2006/relationships" xmlns:p="http://schemas.openxmlformats.org/presentationml/2006/main">
+  <p:cSld>
+    <p:spTree>
+      <p:nvGrpSpPr>
+        <p:cNvPr id="1" name=""/>
+        <p:cNvGrpSpPr/>
+        <p:nvPr/>
+      </p:nvGrpSpPr>
+      <p:grpSpPr>
+        <a:xfrm>
+          <a:off x="0" y="0"/>
+          <a:ext cx="0" cy="0"/>
+          <a:chOff x="0" y="0"/>
+          <a:chExt cx="0" cy="0"/>
+        </a:xfrm>
+      </p:grpSpPr>
+      <p:graphicFrame>
+        <p:nvGraphicFramePr>
+          <p:cNvPr id="11" name="Tabel 10">
+            <a:extLst>
+              <a:ext uri="{FF2B5EF4-FFF2-40B4-BE49-F238E27FC236}">
+                <a16:creationId xmlns:a16="http://schemas.microsoft.com/office/drawing/2014/main" id="{86C3791D-8259-47B7-A422-859E12A8FA04}"/>
+              </a:ext>
+            </a:extLst>
+          </p:cNvPr>
+          <p:cNvGraphicFramePr>
+            <a:graphicFrameLocks noGrp="1"/>
+          </p:cNvGraphicFramePr>
+          <p:nvPr/>
+        </p:nvGraphicFramePr>
+        <p:xfrm>
+          <a:off x="1271464" y="1305929"/>
+          <a:ext cx="9433048" cy="3581984"/>
+        </p:xfrm>
+        <a:graphic>
+          <a:graphicData uri="http://schemas.openxmlformats.org/drawingml/2006/table">
+            <a:tbl>
+              <a:tblPr firstRow="1" bandRow="1">
+                <a:tableStyleId>{5C22544A-7EE6-4342-B048-85BDC9FD1C3A}</a:tableStyleId>
+              </a:tblPr>
+              <a:tblGrid>
+                <a:gridCol w="3144349">
+                  <a:extLst>
+                    <a:ext uri="{9D8B030D-6E8A-4147-A177-3AD203B41FA5}">
+                      <a16:colId xmlns:a16="http://schemas.microsoft.com/office/drawing/2014/main" val="20000"/>
+                    </a:ext>
+                  </a:extLst>
+                </a:gridCol>
+                <a:gridCol w="1822940">
+                  <a:extLst>
+                    <a:ext uri="{9D8B030D-6E8A-4147-A177-3AD203B41FA5}">
+                      <a16:colId xmlns:a16="http://schemas.microsoft.com/office/drawing/2014/main" val="20001"/>
+                    </a:ext>
+                  </a:extLst>
+                </a:gridCol>
+                <a:gridCol w="4465759">
+                  <a:extLst>
+                    <a:ext uri="{9D8B030D-6E8A-4147-A177-3AD203B41FA5}">
+                      <a16:colId xmlns:a16="http://schemas.microsoft.com/office/drawing/2014/main" val="20002"/>
+                    </a:ext>
+                  </a:extLst>
+                </a:gridCol>
+              </a:tblGrid>
+              <a:tr h="368024">
+                <a:tc>
+                  <a:txBody>
+                    <a:bodyPr/>
+                    <a:lstStyle/>
+                    <a:p>
+                      <a:r>
+                        <a:rPr lang="nl-BE" sz="1800" dirty="0"/>
+                        <a:t>Type</a:t>
+                      </a:r>
+                    </a:p>
+                  </a:txBody>
+                  <a:tcPr marL="91433" marR="91433" marT="45714" marB="45714"/>
+                </a:tc>
+                <a:tc>
+                  <a:txBody>
+                    <a:bodyPr/>
+                    <a:lstStyle/>
+                    <a:p>
+                      <a:r>
+                        <a:rPr lang="nl-BE" sz="1800" dirty="0"/>
+                        <a:t>Geheugen</a:t>
+                      </a:r>
+                    </a:p>
+                  </a:txBody>
+                  <a:tcPr marL="91433" marR="91433" marT="45714" marB="45714"/>
+                </a:tc>
+                <a:tc>
+                  <a:txBody>
+                    <a:bodyPr/>
+                    <a:lstStyle/>
+                    <a:p>
+                      <a:r>
+                        <a:rPr lang="nl-BE" sz="1800" dirty="0"/>
+                        <a:t>Range</a:t>
+                      </a:r>
+                    </a:p>
+                  </a:txBody>
+                  <a:tcPr marL="91433" marR="91433" marT="45714" marB="45714"/>
+                </a:tc>
+                <a:extLst>
+                  <a:ext uri="{0D108BD9-81ED-4DB2-BD59-A6C34878D82A}">
+                    <a16:rowId xmlns:a16="http://schemas.microsoft.com/office/drawing/2014/main" val="10000"/>
+                  </a:ext>
+                </a:extLst>
+              </a:tr>
+              <a:tr h="368024">
+                <a:tc>
+                  <a:txBody>
+                    <a:bodyPr/>
+                    <a:lstStyle/>
+                    <a:p>
+                      <a:r>
+                        <a:rPr lang="nl-BE" sz="1800" dirty="0" err="1"/>
+                        <a:t>sbyte</a:t>
+                      </a:r>
+                      <a:endParaRPr lang="nl-BE" sz="1800" dirty="0"/>
+                    </a:p>
+                  </a:txBody>
+                  <a:tcPr marL="91433" marR="91433" marT="45714" marB="45714"/>
+                </a:tc>
+                <a:tc>
+                  <a:txBody>
+                    <a:bodyPr/>
+                    <a:lstStyle/>
+                    <a:p>
+                      <a:r>
+                        <a:rPr lang="nl-BE" sz="1800" dirty="0"/>
+                        <a:t>8 bits</a:t>
+                      </a:r>
+                    </a:p>
+                  </a:txBody>
+                  <a:tcPr marL="91433" marR="91433" marT="45714" marB="45714"/>
+                </a:tc>
+                <a:tc>
+                  <a:txBody>
+                    <a:bodyPr/>
+                    <a:lstStyle/>
+                    <a:p>
+                      <a:r>
+                        <a:rPr lang="nl-BE" sz="1800" dirty="0"/>
+                        <a:t>-128 tot 127</a:t>
+                      </a:r>
+                    </a:p>
+                  </a:txBody>
+                  <a:tcPr marL="91433" marR="91433" marT="45714" marB="45714"/>
+                </a:tc>
+                <a:extLst>
+                  <a:ext uri="{0D108BD9-81ED-4DB2-BD59-A6C34878D82A}">
+                    <a16:rowId xmlns:a16="http://schemas.microsoft.com/office/drawing/2014/main" val="10001"/>
+                  </a:ext>
+                </a:extLst>
+              </a:tr>
+              <a:tr h="368024">
+                <a:tc>
+                  <a:txBody>
+                    <a:bodyPr/>
+                    <a:lstStyle/>
+                    <a:p>
+                      <a:r>
+                        <a:rPr lang="nl-BE" sz="1800" dirty="0"/>
+                        <a:t>byte</a:t>
+                      </a:r>
+                    </a:p>
+                  </a:txBody>
+                  <a:tcPr marL="91433" marR="91433" marT="45714" marB="45714"/>
+                </a:tc>
+                <a:tc>
+                  <a:txBody>
+                    <a:bodyPr/>
+                    <a:lstStyle/>
+                    <a:p>
+                      <a:r>
+                        <a:rPr lang="nl-BE" sz="1800" dirty="0"/>
+                        <a:t>8 bits</a:t>
+                      </a:r>
+                    </a:p>
+                  </a:txBody>
+                  <a:tcPr marL="91433" marR="91433" marT="45714" marB="45714"/>
+                </a:tc>
+                <a:tc>
+                  <a:txBody>
+                    <a:bodyPr/>
+                    <a:lstStyle/>
+                    <a:p>
+                      <a:r>
+                        <a:rPr lang="nl-BE" sz="1800" dirty="0"/>
+                        <a:t>0 tot 255</a:t>
+                      </a:r>
+                    </a:p>
+                  </a:txBody>
+                  <a:tcPr marL="91433" marR="91433" marT="45714" marB="45714"/>
+                </a:tc>
+                <a:extLst>
+                  <a:ext uri="{0D108BD9-81ED-4DB2-BD59-A6C34878D82A}">
+                    <a16:rowId xmlns:a16="http://schemas.microsoft.com/office/drawing/2014/main" val="10002"/>
+                  </a:ext>
+                </a:extLst>
+              </a:tr>
+              <a:tr h="368024">
+                <a:tc>
+                  <a:txBody>
+                    <a:bodyPr/>
+                    <a:lstStyle/>
+                    <a:p>
+                      <a:r>
+                        <a:rPr lang="nl-BE" sz="1800" dirty="0"/>
+                        <a:t>short</a:t>
+                      </a:r>
+                    </a:p>
+                  </a:txBody>
+                  <a:tcPr marL="91433" marR="91433" marT="45714" marB="45714"/>
+                </a:tc>
+                <a:tc>
+                  <a:txBody>
+                    <a:bodyPr/>
+                    <a:lstStyle/>
+                    <a:p>
+                      <a:r>
+                        <a:rPr lang="nl-BE" sz="1800" dirty="0"/>
+                        <a:t>16 bits</a:t>
+                      </a:r>
+                    </a:p>
+                  </a:txBody>
+                  <a:tcPr marL="91433" marR="91433" marT="45714" marB="45714"/>
+                </a:tc>
+                <a:tc>
+                  <a:txBody>
+                    <a:bodyPr/>
+                    <a:lstStyle/>
+                    <a:p>
+                      <a:r>
+                        <a:rPr lang="nl-BE" sz="1800" dirty="0"/>
+                        <a:t>-32768</a:t>
+                      </a:r>
+                      <a:r>
+                        <a:rPr lang="nl-BE" sz="1800" baseline="0" dirty="0"/>
+                        <a:t> tot 32767</a:t>
+                      </a:r>
+                      <a:endParaRPr lang="nl-BE" sz="1800" dirty="0"/>
+                    </a:p>
+                  </a:txBody>
+                  <a:tcPr marL="91433" marR="91433" marT="45714" marB="45714"/>
+                </a:tc>
+                <a:extLst>
+                  <a:ext uri="{0D108BD9-81ED-4DB2-BD59-A6C34878D82A}">
+                    <a16:rowId xmlns:a16="http://schemas.microsoft.com/office/drawing/2014/main" val="10003"/>
+                  </a:ext>
+                </a:extLst>
+              </a:tr>
+              <a:tr h="368024">
+                <a:tc>
+                  <a:txBody>
+                    <a:bodyPr/>
+                    <a:lstStyle/>
+                    <a:p>
+                      <a:r>
+                        <a:rPr lang="nl-BE" sz="1800" dirty="0" err="1"/>
+                        <a:t>ushort</a:t>
+                      </a:r>
+                      <a:endParaRPr lang="nl-BE" sz="1800" dirty="0"/>
+                    </a:p>
+                  </a:txBody>
+                  <a:tcPr marL="91433" marR="91433" marT="45714" marB="45714"/>
+                </a:tc>
+                <a:tc>
+                  <a:txBody>
+                    <a:bodyPr/>
+                    <a:lstStyle/>
+                    <a:p>
+                      <a:r>
+                        <a:rPr lang="nl-BE" sz="1800" dirty="0"/>
+                        <a:t>16 bits</a:t>
+                      </a:r>
+                    </a:p>
+                  </a:txBody>
+                  <a:tcPr marL="91433" marR="91433" marT="45714" marB="45714"/>
+                </a:tc>
+                <a:tc>
+                  <a:txBody>
+                    <a:bodyPr/>
+                    <a:lstStyle/>
+                    <a:p>
+                      <a:r>
+                        <a:rPr lang="nl-BE" sz="1800" dirty="0"/>
+                        <a:t>0 tot 65535</a:t>
+                      </a:r>
+                    </a:p>
+                  </a:txBody>
+                  <a:tcPr marL="91433" marR="91433" marT="45714" marB="45714"/>
+                </a:tc>
+                <a:extLst>
+                  <a:ext uri="{0D108BD9-81ED-4DB2-BD59-A6C34878D82A}">
+                    <a16:rowId xmlns:a16="http://schemas.microsoft.com/office/drawing/2014/main" val="10004"/>
+                  </a:ext>
+                </a:extLst>
+              </a:tr>
+              <a:tr h="365748">
+                <a:tc>
+                  <a:txBody>
+                    <a:bodyPr/>
+                    <a:lstStyle/>
+                    <a:p>
+                      <a:r>
+                        <a:rPr lang="nl-BE" sz="1800" dirty="0"/>
+                        <a:t>int</a:t>
+                      </a:r>
+                    </a:p>
+                  </a:txBody>
+                  <a:tcPr marL="91433" marR="91433" marT="45714" marB="45714"/>
+                </a:tc>
+                <a:tc>
+                  <a:txBody>
+                    <a:bodyPr/>
+                    <a:lstStyle/>
+                    <a:p>
+                      <a:r>
+                        <a:rPr lang="nl-BE" sz="1800" dirty="0"/>
+                        <a:t>32 bits</a:t>
+                      </a:r>
+                    </a:p>
+                  </a:txBody>
+                  <a:tcPr marL="91433" marR="91433" marT="45714" marB="45714"/>
+                </a:tc>
+                <a:tc>
+                  <a:txBody>
+                    <a:bodyPr/>
+                    <a:lstStyle/>
+                    <a:p>
+                      <a:r>
+                        <a:rPr lang="nl-BE" sz="1800" dirty="0"/>
+                        <a:t>-2147483658 tot +2147483657</a:t>
+                      </a:r>
+                    </a:p>
+                  </a:txBody>
+                  <a:tcPr marL="91433" marR="91433" marT="45714" marB="45714"/>
+                </a:tc>
+                <a:extLst>
+                  <a:ext uri="{0D108BD9-81ED-4DB2-BD59-A6C34878D82A}">
+                    <a16:rowId xmlns:a16="http://schemas.microsoft.com/office/drawing/2014/main" val="10005"/>
+                  </a:ext>
+                </a:extLst>
+              </a:tr>
+              <a:tr h="368024">
+                <a:tc>
+                  <a:txBody>
+                    <a:bodyPr/>
+                    <a:lstStyle/>
+                    <a:p>
+                      <a:r>
+                        <a:rPr lang="nl-BE" sz="1800" dirty="0" err="1"/>
+                        <a:t>uint</a:t>
+                      </a:r>
+                      <a:endParaRPr lang="nl-BE" sz="1800" dirty="0"/>
+                    </a:p>
+                  </a:txBody>
+                  <a:tcPr marL="91433" marR="91433" marT="45714" marB="45714"/>
+                </a:tc>
+                <a:tc>
+                  <a:txBody>
+                    <a:bodyPr/>
+                    <a:lstStyle/>
+                    <a:p>
+                      <a:r>
+                        <a:rPr lang="nl-BE" sz="1800" dirty="0"/>
+                        <a:t>32 bits</a:t>
+                      </a:r>
+                    </a:p>
+                  </a:txBody>
+                  <a:tcPr marL="91433" marR="91433" marT="45714" marB="45714"/>
+                </a:tc>
+                <a:tc>
+                  <a:txBody>
+                    <a:bodyPr/>
+                    <a:lstStyle/>
+                    <a:p>
+                      <a:r>
+                        <a:rPr lang="nl-BE" sz="1800" dirty="0"/>
+                        <a:t>0 tot 4294967295</a:t>
+                      </a:r>
+                    </a:p>
+                  </a:txBody>
+                  <a:tcPr marL="91433" marR="91433" marT="45714" marB="45714"/>
+                </a:tc>
+                <a:extLst>
+                  <a:ext uri="{0D108BD9-81ED-4DB2-BD59-A6C34878D82A}">
+                    <a16:rowId xmlns:a16="http://schemas.microsoft.com/office/drawing/2014/main" val="10006"/>
+                  </a:ext>
+                </a:extLst>
+              </a:tr>
+              <a:tr h="368024">
+                <a:tc>
+                  <a:txBody>
+                    <a:bodyPr/>
+                    <a:lstStyle/>
+                    <a:p>
+                      <a:r>
+                        <a:rPr lang="nl-BE" sz="1800" dirty="0"/>
+                        <a:t>long</a:t>
+                      </a:r>
+                    </a:p>
+                  </a:txBody>
+                  <a:tcPr marL="91433" marR="91433" marT="45714" marB="45714"/>
+                </a:tc>
+                <a:tc>
+                  <a:txBody>
+                    <a:bodyPr/>
+                    <a:lstStyle/>
+                    <a:p>
+                      <a:r>
+                        <a:rPr lang="nl-BE" sz="1800" dirty="0"/>
+                        <a:t>64 bits</a:t>
+                      </a:r>
+                    </a:p>
+                  </a:txBody>
+                  <a:tcPr marL="91433" marR="91433" marT="45714" marB="45714"/>
+                </a:tc>
+                <a:tc>
+                  <a:txBody>
+                    <a:bodyPr/>
+                    <a:lstStyle/>
+                    <a:p>
+                      <a:r>
+                        <a:rPr lang="nl-BE" sz="1800" b="0" i="0" u="none" strike="noStrike" kern="1200" dirty="0">
+                          <a:solidFill>
+                            <a:schemeClr val="dk1"/>
+                          </a:solidFill>
+                          <a:effectLst/>
+                          <a:latin typeface="+mn-lt"/>
+                          <a:ea typeface="+mn-ea"/>
+                          <a:cs typeface="+mn-cs"/>
+                        </a:rPr>
+                        <a:t>-9 223 372 036 854 775 808 tot </a:t>
+                      </a:r>
+                      <a:br>
+                        <a:rPr lang="nl-BE" sz="1800" b="0" i="0" u="none" strike="noStrike" kern="1200" dirty="0">
+                          <a:solidFill>
+                            <a:schemeClr val="dk1"/>
+                          </a:solidFill>
+                          <a:effectLst/>
+                          <a:latin typeface="+mn-lt"/>
+                          <a:ea typeface="+mn-ea"/>
+                          <a:cs typeface="+mn-cs"/>
+                        </a:rPr>
+                      </a:br>
+                      <a:r>
+                        <a:rPr lang="nl-BE" sz="1800" b="0" i="0" u="none" strike="noStrike" kern="1200" dirty="0">
+                          <a:solidFill>
+                            <a:schemeClr val="dk1"/>
+                          </a:solidFill>
+                          <a:effectLst/>
+                          <a:latin typeface="+mn-lt"/>
+                          <a:ea typeface="+mn-ea"/>
+                          <a:cs typeface="+mn-cs"/>
+                        </a:rPr>
+                        <a:t>9 223 372 036,854 775 807</a:t>
+                      </a:r>
+                      <a:endParaRPr lang="nl-BE" sz="1800" dirty="0"/>
+                    </a:p>
+                  </a:txBody>
+                  <a:tcPr marL="91433" marR="91433" marT="45714" marB="45714"/>
+                </a:tc>
+                <a:extLst>
+                  <a:ext uri="{0D108BD9-81ED-4DB2-BD59-A6C34878D82A}">
+                    <a16:rowId xmlns:a16="http://schemas.microsoft.com/office/drawing/2014/main" val="10007"/>
+                  </a:ext>
+                </a:extLst>
+              </a:tr>
+              <a:tr h="368024">
+                <a:tc>
+                  <a:txBody>
+                    <a:bodyPr/>
+                    <a:lstStyle/>
+                    <a:p>
+                      <a:r>
+                        <a:rPr lang="nl-BE" sz="1800" dirty="0" err="1"/>
+                        <a:t>char</a:t>
+                      </a:r>
+                      <a:endParaRPr lang="nl-BE" sz="1800" dirty="0"/>
+                    </a:p>
+                  </a:txBody>
+                  <a:tcPr marL="91433" marR="91433" marT="45714" marB="45714"/>
+                </a:tc>
+                <a:tc>
+                  <a:txBody>
+                    <a:bodyPr/>
+                    <a:lstStyle/>
+                    <a:p>
+                      <a:r>
+                        <a:rPr lang="nl-BE" sz="1800" dirty="0"/>
+                        <a:t>16 bits</a:t>
+                      </a:r>
+                    </a:p>
+                  </a:txBody>
+                  <a:tcPr marL="91433" marR="91433" marT="45714" marB="45714"/>
+                </a:tc>
+                <a:tc>
+                  <a:txBody>
+                    <a:bodyPr/>
+                    <a:lstStyle/>
+                    <a:p>
+                      <a:r>
+                        <a:rPr lang="nl-BE" sz="1800" dirty="0"/>
+                        <a:t>0 tot 65535</a:t>
+                      </a:r>
+                    </a:p>
+                  </a:txBody>
+                  <a:tcPr marL="91433" marR="91433" marT="45714" marB="45714"/>
+                </a:tc>
+                <a:extLst>
+                  <a:ext uri="{0D108BD9-81ED-4DB2-BD59-A6C34878D82A}">
+                    <a16:rowId xmlns:a16="http://schemas.microsoft.com/office/drawing/2014/main" val="10008"/>
+                  </a:ext>
+                </a:extLst>
+              </a:tr>
+            </a:tbl>
+          </a:graphicData>
+        </a:graphic>
+      </p:graphicFrame>
+      <p:sp>
+        <p:nvSpPr>
+          <p:cNvPr id="112642" name="Titel 1"/>
+          <p:cNvSpPr>
+            <a:spLocks noGrp="1"/>
+          </p:cNvSpPr>
+          <p:nvPr>
+            <p:ph type="title"/>
+          </p:nvPr>
+        </p:nvSpPr>
+        <p:spPr/>
+        <p:txBody>
+          <a:bodyPr/>
+          <a:lstStyle/>
+          <a:p>
+            <a:r>
+              <a:rPr lang="en-IE" dirty="0" err="1"/>
+              <a:t>Groottes</a:t>
+            </a:r>
+            <a:endParaRPr lang="en-IE" dirty="0"/>
+          </a:p>
+        </p:txBody>
+      </p:sp>
+      <p:sp>
+        <p:nvSpPr>
+          <p:cNvPr id="112643" name="Tijdelijke aanduiding voor inhoud 2"/>
+          <p:cNvSpPr>
+            <a:spLocks noGrp="1"/>
+          </p:cNvSpPr>
+          <p:nvPr>
+            <p:ph idx="1"/>
+          </p:nvPr>
+        </p:nvSpPr>
+        <p:spPr/>
+        <p:txBody>
+          <a:bodyPr/>
+          <a:lstStyle/>
+          <a:p>
+            <a:endParaRPr lang="en-IE"/>
+          </a:p>
+        </p:txBody>
+      </p:sp>
+      <p:sp>
+        <p:nvSpPr>
           <p:cNvPr id="5" name="Cilinder 4"/>
           <p:cNvSpPr>
             <a:spLocks noChangeArrowheads="1"/>
@@ -15873,7 +17208,7 @@
           <a:p>
             <a:fld id="{E8A62353-F7CD-46ED-8877-B27D0E33FCF8}" type="slidenum">
               <a:rPr lang="nl-BE" smtClean="0"/>
-              <a:t>7</a:t>
+              <a:t>8</a:t>
             </a:fld>
             <a:endParaRPr lang="nl-BE"/>
           </a:p>
@@ -15882,7 +17217,7 @@
     </p:spTree>
     <p:extLst>
       <p:ext uri="{BB962C8B-B14F-4D97-AF65-F5344CB8AC3E}">
-        <p14:creationId xmlns:p14="http://schemas.microsoft.com/office/powerpoint/2010/main" val="3909805562"/>
+        <p14:creationId xmlns:p14="http://schemas.microsoft.com/office/powerpoint/2010/main" val="2432230182"/>
       </p:ext>
     </p:extLst>
   </p:cSld>
@@ -16200,7 +17535,7 @@
 </p:sld>
 </file>
 
-<file path=ppt/slides/slide8.xml><?xml version="1.0" encoding="utf-8"?>
+<file path=ppt/slides/slide9.xml><?xml version="1.0" encoding="utf-8"?>
 <p:sld xmlns:a="http://schemas.openxmlformats.org/drawingml/2006/main" xmlns:r="http://schemas.openxmlformats.org/officeDocument/2006/relationships" xmlns:p="http://schemas.openxmlformats.org/presentationml/2006/main">
   <p:cSld>
     <p:bg>
@@ -16437,7 +17772,7 @@
           <a:p>
             <a:fld id="{E8A62353-F7CD-46ED-8877-B27D0E33FCF8}" type="slidenum">
               <a:rPr lang="nl-BE" smtClean="0"/>
-              <a:t>8</a:t>
+              <a:t>9</a:t>
             </a:fld>
             <a:endParaRPr lang="nl-BE"/>
           </a:p>
@@ -16447,221 +17782,6 @@
     <p:extLst>
       <p:ext uri="{BB962C8B-B14F-4D97-AF65-F5344CB8AC3E}">
         <p14:creationId xmlns:p14="http://schemas.microsoft.com/office/powerpoint/2010/main" val="1721255961"/>
-      </p:ext>
-    </p:extLst>
-  </p:cSld>
-  <p:clrMapOvr>
-    <a:masterClrMapping/>
-  </p:clrMapOvr>
-</p:sld>
-</file>
-
-<file path=ppt/slides/slide9.xml><?xml version="1.0" encoding="utf-8"?>
-<p:sld xmlns:a="http://schemas.openxmlformats.org/drawingml/2006/main" xmlns:r="http://schemas.openxmlformats.org/officeDocument/2006/relationships" xmlns:p="http://schemas.openxmlformats.org/presentationml/2006/main">
-  <p:cSld>
-    <p:bg>
-      <p:bgPr>
-        <a:solidFill>
-          <a:schemeClr val="bg1"/>
-        </a:solidFill>
-        <a:effectLst/>
-      </p:bgPr>
-    </p:bg>
-    <p:spTree>
-      <p:nvGrpSpPr>
-        <p:cNvPr id="1" name=""/>
-        <p:cNvGrpSpPr/>
-        <p:nvPr/>
-      </p:nvGrpSpPr>
-      <p:grpSpPr>
-        <a:xfrm>
-          <a:off x="0" y="0"/>
-          <a:ext cx="0" cy="0"/>
-          <a:chOff x="0" y="0"/>
-          <a:chExt cx="0" cy="0"/>
-        </a:xfrm>
-      </p:grpSpPr>
-      <p:sp>
-        <p:nvSpPr>
-          <p:cNvPr id="115714" name="Titel 1"/>
-          <p:cNvSpPr>
-            <a:spLocks noGrp="1"/>
-          </p:cNvSpPr>
-          <p:nvPr>
-            <p:ph type="title"/>
-          </p:nvPr>
-        </p:nvSpPr>
-        <p:spPr>
-          <a:xfrm>
-            <a:off x="640079" y="2053641"/>
-            <a:ext cx="3669161" cy="2760098"/>
-          </a:xfrm>
-        </p:spPr>
-        <p:txBody>
-          <a:bodyPr>
-            <a:normAutofit/>
-          </a:bodyPr>
-          <a:lstStyle/>
-          <a:p>
-            <a:r>
-              <a:rPr lang="nl-BE" dirty="0"/>
-              <a:t>Reële getallen voorstellen</a:t>
-            </a:r>
-          </a:p>
-        </p:txBody>
-      </p:sp>
-      <p:sp>
-        <p:nvSpPr>
-          <p:cNvPr id="115715" name="Tijdelijke aanduiding voor inhoud 2"/>
-          <p:cNvSpPr>
-            <a:spLocks noGrp="1"/>
-          </p:cNvSpPr>
-          <p:nvPr>
-            <p:ph idx="1"/>
-          </p:nvPr>
-        </p:nvSpPr>
-        <p:spPr>
-          <a:xfrm>
-            <a:off x="6090574" y="801866"/>
-            <a:ext cx="5306084" cy="5230634"/>
-          </a:xfrm>
-        </p:spPr>
-        <p:txBody>
-          <a:bodyPr anchor="ctr">
-            <a:normAutofit/>
-          </a:bodyPr>
-          <a:lstStyle/>
-          <a:p>
-            <a:pPr lvl="2"/>
-            <a:r>
-              <a:rPr lang="nl-BE" sz="2400">
-                <a:solidFill>
-                  <a:srgbClr val="000000"/>
-                </a:solidFill>
-              </a:rPr>
-              <a:t>Computer zal benadering bewaren</a:t>
-            </a:r>
-          </a:p>
-          <a:p>
-            <a:pPr lvl="3"/>
-            <a:r>
-              <a:rPr lang="nl-BE" sz="2400">
-                <a:solidFill>
-                  <a:srgbClr val="000000"/>
-                </a:solidFill>
-              </a:rPr>
-              <a:t>Te lage benadering: verkeerde uitkomsten</a:t>
-            </a:r>
-          </a:p>
-          <a:p>
-            <a:pPr lvl="3"/>
-            <a:r>
-              <a:rPr lang="nl-BE" sz="2400">
-                <a:solidFill>
-                  <a:srgbClr val="000000"/>
-                </a:solidFill>
-              </a:rPr>
-              <a:t>Te hoge benadering: te veel geheugenverbruik</a:t>
-            </a:r>
-          </a:p>
-          <a:p>
-            <a:pPr lvl="3"/>
-            <a:endParaRPr lang="nl-BE" sz="2400">
-              <a:solidFill>
-                <a:srgbClr val="000000"/>
-              </a:solidFill>
-            </a:endParaRPr>
-          </a:p>
-          <a:p>
-            <a:pPr lvl="3"/>
-            <a:endParaRPr lang="nl-BE" sz="2400">
-              <a:solidFill>
-                <a:srgbClr val="000000"/>
-              </a:solidFill>
-            </a:endParaRPr>
-          </a:p>
-          <a:p>
-            <a:pPr lvl="2"/>
-            <a:r>
-              <a:rPr lang="nl-BE" sz="2400">
-                <a:solidFill>
-                  <a:srgbClr val="000000"/>
-                </a:solidFill>
-              </a:rPr>
-              <a:t>C# voorziet verschillende type naargelang afweging geheugengebruik vs. precisie</a:t>
-            </a:r>
-          </a:p>
-          <a:p>
-            <a:endParaRPr lang="nl-BE" sz="2400">
-              <a:solidFill>
-                <a:srgbClr val="000000"/>
-              </a:solidFill>
-            </a:endParaRPr>
-          </a:p>
-        </p:txBody>
-      </p:sp>
-      <p:sp>
-        <p:nvSpPr>
-          <p:cNvPr id="2" name="Tijdelijke aanduiding voor voettekst 1">
-            <a:extLst>
-              <a:ext uri="{FF2B5EF4-FFF2-40B4-BE49-F238E27FC236}">
-                <a16:creationId xmlns:a16="http://schemas.microsoft.com/office/drawing/2014/main" id="{57D76702-ABF0-4C62-BD56-FD2A216F2F07}"/>
-              </a:ext>
-            </a:extLst>
-          </p:cNvPr>
-          <p:cNvSpPr>
-            <a:spLocks noGrp="1"/>
-          </p:cNvSpPr>
-          <p:nvPr>
-            <p:ph type="ftr" sz="quarter" idx="11"/>
-          </p:nvPr>
-        </p:nvSpPr>
-        <p:spPr/>
-        <p:txBody>
-          <a:bodyPr/>
-          <a:lstStyle/>
-          <a:p>
-            <a:r>
-              <a:rPr lang="nl-BE"/>
-              <a:t>Zie Scherp</a:t>
-            </a:r>
-            <a:endParaRPr lang="nl-BE" dirty="0"/>
-          </a:p>
-        </p:txBody>
-      </p:sp>
-      <p:sp>
-        <p:nvSpPr>
-          <p:cNvPr id="3" name="Tijdelijke aanduiding voor dianummer 2">
-            <a:extLst>
-              <a:ext uri="{FF2B5EF4-FFF2-40B4-BE49-F238E27FC236}">
-                <a16:creationId xmlns:a16="http://schemas.microsoft.com/office/drawing/2014/main" id="{FBC7CF3C-F020-4B77-8E90-4A534E629295}"/>
-              </a:ext>
-            </a:extLst>
-          </p:cNvPr>
-          <p:cNvSpPr>
-            <a:spLocks noGrp="1"/>
-          </p:cNvSpPr>
-          <p:nvPr>
-            <p:ph type="sldNum" sz="quarter" idx="12"/>
-          </p:nvPr>
-        </p:nvSpPr>
-        <p:spPr/>
-        <p:txBody>
-          <a:bodyPr/>
-          <a:lstStyle/>
-          <a:p>
-            <a:fld id="{E8A62353-F7CD-46ED-8877-B27D0E33FCF8}" type="slidenum">
-              <a:rPr lang="nl-BE" smtClean="0"/>
-              <a:t>9</a:t>
-            </a:fld>
-            <a:endParaRPr lang="nl-BE"/>
-          </a:p>
-        </p:txBody>
-      </p:sp>
-    </p:spTree>
-    <p:extLst>
-      <p:ext uri="{BB962C8B-B14F-4D97-AF65-F5344CB8AC3E}">
-        <p14:creationId xmlns:p14="http://schemas.microsoft.com/office/powerpoint/2010/main" val="1364461614"/>
       </p:ext>
     </p:extLst>
   </p:cSld>
